--- a/Anime Predictions.pptx
+++ b/Anime Predictions.pptx
@@ -21,21 +21,24 @@
     <p:sldId id="266" r:id="rId17"/>
     <p:sldId id="267" r:id="rId18"/>
     <p:sldId id="268" r:id="rId19"/>
+    <p:sldId id="269" r:id="rId20"/>
+    <p:sldId id="270" r:id="rId21"/>
+    <p:sldId id="271" r:id="rId22"/>
   </p:sldIdLst>
   <p:sldSz cy="5143500" cx="9144000"/>
   <p:notesSz cx="6858000" cy="9144000"/>
   <p:embeddedFontLst>
     <p:embeddedFont>
       <p:font typeface="PT Sans Narrow"/>
-      <p:regular r:id="rId20"/>
-      <p:bold r:id="rId21"/>
+      <p:regular r:id="rId23"/>
+      <p:bold r:id="rId24"/>
     </p:embeddedFont>
     <p:embeddedFont>
       <p:font typeface="Open Sans"/>
-      <p:regular r:id="rId22"/>
-      <p:bold r:id="rId23"/>
-      <p:italic r:id="rId24"/>
-      <p:boldItalic r:id="rId25"/>
+      <p:regular r:id="rId25"/>
+      <p:bold r:id="rId26"/>
+      <p:italic r:id="rId27"/>
+      <p:boldItalic r:id="rId28"/>
     </p:embeddedFont>
   </p:embeddedFontLst>
   <p:defaultTextStyle>
@@ -812,7 +815,7 @@
   <p:cSld>
     <p:spTree>
       <p:nvGrpSpPr>
-        <p:cNvPr id="136" name="Shape 136"/>
+        <p:cNvPr id="137" name="Shape 137"/>
         <p:cNvGrpSpPr/>
         <p:nvPr/>
       </p:nvGrpSpPr>
@@ -826,7 +829,7 @@
       </p:grpSpPr>
       <p:sp>
         <p:nvSpPr>
-          <p:cNvPr id="137" name="Google Shape;137;g3dc950a2c8_0_134:notes"/>
+          <p:cNvPr id="138" name="Google Shape;138;g3dc950a2c8_0_134:notes"/>
           <p:cNvSpPr/>
           <p:nvPr>
             <p:ph idx="2" type="sldImg"/>
@@ -860,7 +863,7 @@
       </p:sp>
       <p:sp>
         <p:nvSpPr>
-          <p:cNvPr id="138" name="Google Shape;138;g3dc950a2c8_0_134:notes"/>
+          <p:cNvPr id="139" name="Google Shape;139;g3dc950a2c8_0_134:notes"/>
           <p:cNvSpPr txBox="1"/>
           <p:nvPr>
             <p:ph idx="1" type="body"/>
@@ -881,17 +884,18 @@
           </a:bodyPr>
           <a:lstStyle/>
           <a:p>
-            <a:pPr indent="0" lvl="0" marL="0">
-              <a:spcBef>
-                <a:spcPts val="0"/>
-              </a:spcBef>
-              <a:spcAft>
-                <a:spcPts val="0"/>
-              </a:spcAft>
-              <a:buNone/>
-            </a:pPr>
-            <a:r>
-              <a:t/>
+            <a:pPr indent="0" lvl="0" marL="0" rtl="0">
+              <a:spcBef>
+                <a:spcPts val="0"/>
+              </a:spcBef>
+              <a:spcAft>
+                <a:spcPts val="0"/>
+              </a:spcAft>
+              <a:buNone/>
+            </a:pPr>
+            <a:r>
+              <a:rPr lang="en"/>
+              <a:t>Since our goal is to predict which users would rate anime high, we concentrated on Sensitivity as our accuracy metric. We even set our models to be more sensitive so more True Positives could be indentified.</a:t>
             </a:r>
             <a:endParaRPr/>
           </a:p>
@@ -910,7 +914,7 @@
   <p:cSld>
     <p:spTree>
       <p:nvGrpSpPr>
-        <p:cNvPr id="143" name="Shape 143"/>
+        <p:cNvPr id="147" name="Shape 147"/>
         <p:cNvGrpSpPr/>
         <p:nvPr/>
       </p:nvGrpSpPr>
@@ -924,7 +928,7 @@
       </p:grpSpPr>
       <p:sp>
         <p:nvSpPr>
-          <p:cNvPr id="144" name="Google Shape;144;g3dc950a2c8_0_69:notes"/>
+          <p:cNvPr id="148" name="Google Shape;148;g3dc950a2c8_0_69:notes"/>
           <p:cNvSpPr/>
           <p:nvPr>
             <p:ph idx="2" type="sldImg"/>
@@ -958,7 +962,7 @@
       </p:sp>
       <p:sp>
         <p:nvSpPr>
-          <p:cNvPr id="145" name="Google Shape;145;g3dc950a2c8_0_69:notes"/>
+          <p:cNvPr id="149" name="Google Shape;149;g3dc950a2c8_0_69:notes"/>
           <p:cNvSpPr txBox="1"/>
           <p:nvPr>
             <p:ph idx="1" type="body"/>
@@ -979,17 +983,18 @@
           </a:bodyPr>
           <a:lstStyle/>
           <a:p>
-            <a:pPr indent="0" lvl="0" marL="0">
-              <a:spcBef>
-                <a:spcPts val="0"/>
-              </a:spcBef>
-              <a:spcAft>
-                <a:spcPts val="0"/>
-              </a:spcAft>
-              <a:buNone/>
-            </a:pPr>
-            <a:r>
-              <a:t/>
+            <a:pPr indent="0" lvl="0" marL="0" rtl="0">
+              <a:spcBef>
+                <a:spcPts val="0"/>
+              </a:spcBef>
+              <a:spcAft>
+                <a:spcPts val="0"/>
+              </a:spcAft>
+              <a:buNone/>
+            </a:pPr>
+            <a:r>
+              <a:rPr lang="en"/>
+              <a:t>We trained the data with 4 models - Random Forest, K-Nearest Neighbor, Logistic Regression and L</a:t>
             </a:r>
             <a:endParaRPr/>
           </a:p>
@@ -1008,7 +1013,7 @@
   <p:cSld>
     <p:spTree>
       <p:nvGrpSpPr>
-        <p:cNvPr id="151" name="Shape 151"/>
+        <p:cNvPr id="155" name="Shape 155"/>
         <p:cNvGrpSpPr/>
         <p:nvPr/>
       </p:nvGrpSpPr>
@@ -1022,7 +1027,7 @@
       </p:grpSpPr>
       <p:sp>
         <p:nvSpPr>
-          <p:cNvPr id="152" name="Google Shape;152;g3dc950a2c8_1_1:notes"/>
+          <p:cNvPr id="156" name="Google Shape;156;g3dc950a2c8_1_1:notes"/>
           <p:cNvSpPr/>
           <p:nvPr>
             <p:ph idx="2" type="sldImg"/>
@@ -1056,7 +1061,7 @@
       </p:sp>
       <p:sp>
         <p:nvSpPr>
-          <p:cNvPr id="153" name="Google Shape;153;g3dc950a2c8_1_1:notes"/>
+          <p:cNvPr id="157" name="Google Shape;157;g3dc950a2c8_1_1:notes"/>
           <p:cNvSpPr txBox="1"/>
           <p:nvPr>
             <p:ph idx="1" type="body"/>
@@ -1106,7 +1111,7 @@
   <p:cSld>
     <p:spTree>
       <p:nvGrpSpPr>
-        <p:cNvPr id="157" name="Shape 157"/>
+        <p:cNvPr id="163" name="Shape 163"/>
         <p:cNvGrpSpPr/>
         <p:nvPr/>
       </p:nvGrpSpPr>
@@ -1120,7 +1125,7 @@
       </p:grpSpPr>
       <p:sp>
         <p:nvSpPr>
-          <p:cNvPr id="158" name="Google Shape;158;g3dc950a2c8_0_79:notes"/>
+          <p:cNvPr id="164" name="Google Shape;164;g3dc950a2c8_0_79:notes"/>
           <p:cNvSpPr/>
           <p:nvPr>
             <p:ph idx="2" type="sldImg"/>
@@ -1154,7 +1159,7 @@
       </p:sp>
       <p:sp>
         <p:nvSpPr>
-          <p:cNvPr id="159" name="Google Shape;159;g3dc950a2c8_0_79:notes"/>
+          <p:cNvPr id="165" name="Google Shape;165;g3dc950a2c8_0_79:notes"/>
           <p:cNvSpPr txBox="1"/>
           <p:nvPr>
             <p:ph idx="1" type="body"/>
@@ -1175,7 +1180,301 @@
           </a:bodyPr>
           <a:lstStyle/>
           <a:p>
-            <a:pPr indent="0" lvl="0" marL="0">
+            <a:pPr indent="0" lvl="0" marL="0" rtl="0">
+              <a:spcBef>
+                <a:spcPts val="0"/>
+              </a:spcBef>
+              <a:spcAft>
+                <a:spcPts val="0"/>
+              </a:spcAft>
+              <a:buNone/>
+            </a:pPr>
+            <a:r>
+              <a:t/>
+            </a:r>
+            <a:endParaRPr/>
+          </a:p>
+        </p:txBody>
+      </p:sp>
+    </p:spTree>
+  </p:cSld>
+  <p:clrMapOvr>
+    <a:masterClrMapping/>
+  </p:clrMapOvr>
+</p:notes>
+</file>
+
+<file path=ppt/notesSlides/notesSlide14.xml><?xml version="1.0" encoding="utf-8"?>
+<p:notes xmlns:a="http://schemas.openxmlformats.org/drawingml/2006/main" xmlns:r="http://schemas.openxmlformats.org/officeDocument/2006/relationships" xmlns:mc="http://schemas.openxmlformats.org/markup-compatibility/2006" xmlns:mv="urn:schemas-microsoft-com:mac:vml" xmlns:p="http://schemas.openxmlformats.org/presentationml/2006/main" xmlns:c="http://schemas.openxmlformats.org/drawingml/2006/chart" xmlns:dgm="http://schemas.openxmlformats.org/drawingml/2006/diagram" xmlns:o="urn:schemas-microsoft-com:office:office" xmlns:v="urn:schemas-microsoft-com:vml" xmlns:pvml="urn:schemas-microsoft-com:office:powerpoint" xmlns:com="http://schemas.openxmlformats.org/drawingml/2006/compatibility" xmlns:p14="http://schemas.microsoft.com/office/powerpoint/2010/main" xmlns:p15="http://schemas.microsoft.com/office/powerpoint/2012/main" showMasterPhAnim="0" showMasterSp="0">
+  <p:cSld>
+    <p:spTree>
+      <p:nvGrpSpPr>
+        <p:cNvPr id="174" name="Shape 174"/>
+        <p:cNvGrpSpPr/>
+        <p:nvPr/>
+      </p:nvGrpSpPr>
+      <p:grpSpPr>
+        <a:xfrm>
+          <a:off x="0" y="0"/>
+          <a:ext cx="0" cy="0"/>
+          <a:chOff x="0" y="0"/>
+          <a:chExt cx="0" cy="0"/>
+        </a:xfrm>
+      </p:grpSpPr>
+      <p:sp>
+        <p:nvSpPr>
+          <p:cNvPr id="175" name="Google Shape;175;g3e5f9e2d36_1_13:notes"/>
+          <p:cNvSpPr/>
+          <p:nvPr>
+            <p:ph idx="2" type="sldImg"/>
+          </p:nvPr>
+        </p:nvSpPr>
+        <p:spPr>
+          <a:xfrm>
+            <a:off x="381300" y="685800"/>
+            <a:ext cx="6096000" cy="3429000"/>
+          </a:xfrm>
+          <a:custGeom>
+            <a:pathLst>
+              <a:path extrusionOk="0" h="120000" w="120000">
+                <a:moveTo>
+                  <a:pt x="0" y="0"/>
+                </a:moveTo>
+                <a:lnTo>
+                  <a:pt x="120000" y="0"/>
+                </a:lnTo>
+                <a:lnTo>
+                  <a:pt x="120000" y="120000"/>
+                </a:lnTo>
+                <a:lnTo>
+                  <a:pt x="0" y="120000"/>
+                </a:lnTo>
+                <a:close/>
+              </a:path>
+            </a:pathLst>
+          </a:custGeom>
+        </p:spPr>
+      </p:sp>
+      <p:sp>
+        <p:nvSpPr>
+          <p:cNvPr id="176" name="Google Shape;176;g3e5f9e2d36_1_13:notes"/>
+          <p:cNvSpPr txBox="1"/>
+          <p:nvPr>
+            <p:ph idx="1" type="body"/>
+          </p:nvPr>
+        </p:nvSpPr>
+        <p:spPr>
+          <a:xfrm>
+            <a:off x="685800" y="4343400"/>
+            <a:ext cx="5486400" cy="4114800"/>
+          </a:xfrm>
+          <a:prstGeom prst="rect">
+            <a:avLst/>
+          </a:prstGeom>
+        </p:spPr>
+        <p:txBody>
+          <a:bodyPr anchorCtr="0" anchor="t" bIns="91425" lIns="91425" spcFirstLastPara="1" rIns="91425" wrap="square" tIns="91425">
+            <a:noAutofit/>
+          </a:bodyPr>
+          <a:lstStyle/>
+          <a:p>
+            <a:pPr indent="0" lvl="0" marL="0" rtl="0">
+              <a:spcBef>
+                <a:spcPts val="0"/>
+              </a:spcBef>
+              <a:spcAft>
+                <a:spcPts val="0"/>
+              </a:spcAft>
+              <a:buNone/>
+            </a:pPr>
+            <a:r>
+              <a:t/>
+            </a:r>
+            <a:endParaRPr/>
+          </a:p>
+        </p:txBody>
+      </p:sp>
+    </p:spTree>
+  </p:cSld>
+  <p:clrMapOvr>
+    <a:masterClrMapping/>
+  </p:clrMapOvr>
+</p:notes>
+</file>
+
+<file path=ppt/notesSlides/notesSlide15.xml><?xml version="1.0" encoding="utf-8"?>
+<p:notes xmlns:a="http://schemas.openxmlformats.org/drawingml/2006/main" xmlns:r="http://schemas.openxmlformats.org/officeDocument/2006/relationships" xmlns:mc="http://schemas.openxmlformats.org/markup-compatibility/2006" xmlns:mv="urn:schemas-microsoft-com:mac:vml" xmlns:p="http://schemas.openxmlformats.org/presentationml/2006/main" xmlns:c="http://schemas.openxmlformats.org/drawingml/2006/chart" xmlns:dgm="http://schemas.openxmlformats.org/drawingml/2006/diagram" xmlns:o="urn:schemas-microsoft-com:office:office" xmlns:v="urn:schemas-microsoft-com:vml" xmlns:pvml="urn:schemas-microsoft-com:office:powerpoint" xmlns:com="http://schemas.openxmlformats.org/drawingml/2006/compatibility" xmlns:p14="http://schemas.microsoft.com/office/powerpoint/2010/main" xmlns:p15="http://schemas.microsoft.com/office/powerpoint/2012/main" showMasterPhAnim="0" showMasterSp="0">
+  <p:cSld>
+    <p:spTree>
+      <p:nvGrpSpPr>
+        <p:cNvPr id="185" name="Shape 185"/>
+        <p:cNvGrpSpPr/>
+        <p:nvPr/>
+      </p:nvGrpSpPr>
+      <p:grpSpPr>
+        <a:xfrm>
+          <a:off x="0" y="0"/>
+          <a:ext cx="0" cy="0"/>
+          <a:chOff x="0" y="0"/>
+          <a:chExt cx="0" cy="0"/>
+        </a:xfrm>
+      </p:grpSpPr>
+      <p:sp>
+        <p:nvSpPr>
+          <p:cNvPr id="186" name="Google Shape;186;g3e66be799d_0_0:notes"/>
+          <p:cNvSpPr/>
+          <p:nvPr>
+            <p:ph idx="2" type="sldImg"/>
+          </p:nvPr>
+        </p:nvSpPr>
+        <p:spPr>
+          <a:xfrm>
+            <a:off x="381300" y="685800"/>
+            <a:ext cx="6096000" cy="3429000"/>
+          </a:xfrm>
+          <a:custGeom>
+            <a:pathLst>
+              <a:path extrusionOk="0" h="120000" w="120000">
+                <a:moveTo>
+                  <a:pt x="0" y="0"/>
+                </a:moveTo>
+                <a:lnTo>
+                  <a:pt x="120000" y="0"/>
+                </a:lnTo>
+                <a:lnTo>
+                  <a:pt x="120000" y="120000"/>
+                </a:lnTo>
+                <a:lnTo>
+                  <a:pt x="0" y="120000"/>
+                </a:lnTo>
+                <a:close/>
+              </a:path>
+            </a:pathLst>
+          </a:custGeom>
+        </p:spPr>
+      </p:sp>
+      <p:sp>
+        <p:nvSpPr>
+          <p:cNvPr id="187" name="Google Shape;187;g3e66be799d_0_0:notes"/>
+          <p:cNvSpPr txBox="1"/>
+          <p:nvPr>
+            <p:ph idx="1" type="body"/>
+          </p:nvPr>
+        </p:nvSpPr>
+        <p:spPr>
+          <a:xfrm>
+            <a:off x="685800" y="4343400"/>
+            <a:ext cx="5486400" cy="4114800"/>
+          </a:xfrm>
+          <a:prstGeom prst="rect">
+            <a:avLst/>
+          </a:prstGeom>
+        </p:spPr>
+        <p:txBody>
+          <a:bodyPr anchorCtr="0" anchor="t" bIns="91425" lIns="91425" spcFirstLastPara="1" rIns="91425" wrap="square" tIns="91425">
+            <a:noAutofit/>
+          </a:bodyPr>
+          <a:lstStyle/>
+          <a:p>
+            <a:pPr indent="0" lvl="0" marL="0" rtl="0">
+              <a:spcBef>
+                <a:spcPts val="0"/>
+              </a:spcBef>
+              <a:spcAft>
+                <a:spcPts val="0"/>
+              </a:spcAft>
+              <a:buNone/>
+            </a:pPr>
+            <a:r>
+              <a:t/>
+            </a:r>
+            <a:endParaRPr/>
+          </a:p>
+        </p:txBody>
+      </p:sp>
+    </p:spTree>
+  </p:cSld>
+  <p:clrMapOvr>
+    <a:masterClrMapping/>
+  </p:clrMapOvr>
+</p:notes>
+</file>
+
+<file path=ppt/notesSlides/notesSlide16.xml><?xml version="1.0" encoding="utf-8"?>
+<p:notes xmlns:a="http://schemas.openxmlformats.org/drawingml/2006/main" xmlns:r="http://schemas.openxmlformats.org/officeDocument/2006/relationships" xmlns:mc="http://schemas.openxmlformats.org/markup-compatibility/2006" xmlns:mv="urn:schemas-microsoft-com:mac:vml" xmlns:p="http://schemas.openxmlformats.org/presentationml/2006/main" xmlns:c="http://schemas.openxmlformats.org/drawingml/2006/chart" xmlns:dgm="http://schemas.openxmlformats.org/drawingml/2006/diagram" xmlns:o="urn:schemas-microsoft-com:office:office" xmlns:v="urn:schemas-microsoft-com:vml" xmlns:pvml="urn:schemas-microsoft-com:office:powerpoint" xmlns:com="http://schemas.openxmlformats.org/drawingml/2006/compatibility" xmlns:p14="http://schemas.microsoft.com/office/powerpoint/2010/main" xmlns:p15="http://schemas.microsoft.com/office/powerpoint/2012/main" showMasterPhAnim="0" showMasterSp="0">
+  <p:cSld>
+    <p:spTree>
+      <p:nvGrpSpPr>
+        <p:cNvPr id="191" name="Shape 191"/>
+        <p:cNvGrpSpPr/>
+        <p:nvPr/>
+      </p:nvGrpSpPr>
+      <p:grpSpPr>
+        <a:xfrm>
+          <a:off x="0" y="0"/>
+          <a:ext cx="0" cy="0"/>
+          <a:chOff x="0" y="0"/>
+          <a:chExt cx="0" cy="0"/>
+        </a:xfrm>
+      </p:grpSpPr>
+      <p:sp>
+        <p:nvSpPr>
+          <p:cNvPr id="192" name="Google Shape;192;g3e9dc80f64_0_0:notes"/>
+          <p:cNvSpPr/>
+          <p:nvPr>
+            <p:ph idx="2" type="sldImg"/>
+          </p:nvPr>
+        </p:nvSpPr>
+        <p:spPr>
+          <a:xfrm>
+            <a:off x="381300" y="685800"/>
+            <a:ext cx="6096000" cy="3429000"/>
+          </a:xfrm>
+          <a:custGeom>
+            <a:pathLst>
+              <a:path extrusionOk="0" h="120000" w="120000">
+                <a:moveTo>
+                  <a:pt x="0" y="0"/>
+                </a:moveTo>
+                <a:lnTo>
+                  <a:pt x="120000" y="0"/>
+                </a:lnTo>
+                <a:lnTo>
+                  <a:pt x="120000" y="120000"/>
+                </a:lnTo>
+                <a:lnTo>
+                  <a:pt x="0" y="120000"/>
+                </a:lnTo>
+                <a:close/>
+              </a:path>
+            </a:pathLst>
+          </a:custGeom>
+        </p:spPr>
+      </p:sp>
+      <p:sp>
+        <p:nvSpPr>
+          <p:cNvPr id="193" name="Google Shape;193;g3e9dc80f64_0_0:notes"/>
+          <p:cNvSpPr txBox="1"/>
+          <p:nvPr>
+            <p:ph idx="1" type="body"/>
+          </p:nvPr>
+        </p:nvSpPr>
+        <p:spPr>
+          <a:xfrm>
+            <a:off x="685800" y="4343400"/>
+            <a:ext cx="5486400" cy="4114800"/>
+          </a:xfrm>
+          <a:prstGeom prst="rect">
+            <a:avLst/>
+          </a:prstGeom>
+        </p:spPr>
+        <p:txBody>
+          <a:bodyPr anchorCtr="0" anchor="t" bIns="91425" lIns="91425" spcFirstLastPara="1" rIns="91425" wrap="square" tIns="91425">
+            <a:noAutofit/>
+          </a:bodyPr>
+          <a:lstStyle/>
+          <a:p>
+            <a:pPr indent="0" lvl="0" marL="0" rtl="0">
               <a:spcBef>
                 <a:spcPts val="0"/>
               </a:spcBef>
@@ -1283,7 +1582,8 @@
               <a:buNone/>
             </a:pPr>
             <a:r>
-              <a:t/>
+              <a:rPr lang="en"/>
+              <a:t>Our challenge was for us to find a real world problem that impacted us in some way and use a data driven solution to solve it. Since we both have children that love Anime, we chose to build models to </a:t>
             </a:r>
             <a:endParaRPr/>
           </a:p>
@@ -1400,7 +1700,7 @@
   <p:cSld>
     <p:spTree>
       <p:nvGrpSpPr>
-        <p:cNvPr id="83" name="Shape 83"/>
+        <p:cNvPr id="85" name="Shape 85"/>
         <p:cNvGrpSpPr/>
         <p:nvPr/>
       </p:nvGrpSpPr>
@@ -1414,7 +1714,7 @@
       </p:grpSpPr>
       <p:sp>
         <p:nvSpPr>
-          <p:cNvPr id="84" name="Google Shape;84;g3dc950a2c8_0_96:notes"/>
+          <p:cNvPr id="86" name="Google Shape;86;g3dc950a2c8_0_96:notes"/>
           <p:cNvSpPr/>
           <p:nvPr>
             <p:ph idx="2" type="sldImg"/>
@@ -1448,7 +1748,7 @@
       </p:sp>
       <p:sp>
         <p:nvSpPr>
-          <p:cNvPr id="85" name="Google Shape;85;g3dc950a2c8_0_96:notes"/>
+          <p:cNvPr id="87" name="Google Shape;87;g3dc950a2c8_0_96:notes"/>
           <p:cNvSpPr txBox="1"/>
           <p:nvPr>
             <p:ph idx="1" type="body"/>
@@ -1479,7 +1779,8 @@
               <a:buNone/>
             </a:pPr>
             <a:r>
-              <a:t/>
+              <a:rPr lang="en"/>
+              <a:t>Initially we found three datasets on Kaggle. They all came from the same source, Myanimelist.net. We chose to use the My Anime List dataset because it was the largest by far.</a:t>
             </a:r>
             <a:endParaRPr/>
           </a:p>
@@ -1498,7 +1799,7 @@
   <p:cSld>
     <p:spTree>
       <p:nvGrpSpPr>
-        <p:cNvPr id="92" name="Shape 92"/>
+        <p:cNvPr id="94" name="Shape 94"/>
         <p:cNvGrpSpPr/>
         <p:nvPr/>
       </p:nvGrpSpPr>
@@ -1512,7 +1813,7 @@
       </p:grpSpPr>
       <p:sp>
         <p:nvSpPr>
-          <p:cNvPr id="93" name="Google Shape;93;g3dc950a2c8_0_101:notes"/>
+          <p:cNvPr id="95" name="Google Shape;95;g3dc950a2c8_0_101:notes"/>
           <p:cNvSpPr/>
           <p:nvPr>
             <p:ph idx="2" type="sldImg"/>
@@ -1546,7 +1847,7 @@
       </p:sp>
       <p:sp>
         <p:nvSpPr>
-          <p:cNvPr id="94" name="Google Shape;94;g3dc950a2c8_0_101:notes"/>
+          <p:cNvPr id="96" name="Google Shape;96;g3dc950a2c8_0_101:notes"/>
           <p:cNvSpPr txBox="1"/>
           <p:nvPr>
             <p:ph idx="1" type="body"/>
@@ -1577,7 +1878,8 @@
               <a:buNone/>
             </a:pPr>
             <a:r>
-              <a:t/>
+              <a:rPr lang="en"/>
+              <a:t>There were 3 versions of the dataset to use. Original, Cleaned and Filtered. So we could practice our data cleaning skills, we chose to use the original set. In this dataset, there were 64 million records. It was too large for our computers. Because of its large size, however, we felt confident we could sample it instead. We read in 2000 rows at a time and randomly picked 20 to use.</a:t>
             </a:r>
             <a:endParaRPr/>
           </a:p>
@@ -1596,7 +1898,7 @@
   <p:cSld>
     <p:spTree>
       <p:nvGrpSpPr>
-        <p:cNvPr id="101" name="Shape 101"/>
+        <p:cNvPr id="103" name="Shape 103"/>
         <p:cNvGrpSpPr/>
         <p:nvPr/>
       </p:nvGrpSpPr>
@@ -1610,7 +1912,7 @@
       </p:grpSpPr>
       <p:sp>
         <p:nvSpPr>
-          <p:cNvPr id="102" name="Google Shape;102;g3dc950a2c8_0_106:notes"/>
+          <p:cNvPr id="104" name="Google Shape;104;g3dc950a2c8_0_106:notes"/>
           <p:cNvSpPr/>
           <p:nvPr>
             <p:ph idx="2" type="sldImg"/>
@@ -1644,7 +1946,7 @@
       </p:sp>
       <p:sp>
         <p:nvSpPr>
-          <p:cNvPr id="103" name="Google Shape;103;g3dc950a2c8_0_106:notes"/>
+          <p:cNvPr id="105" name="Google Shape;105;g3dc950a2c8_0_106:notes"/>
           <p:cNvSpPr txBox="1"/>
           <p:nvPr>
             <p:ph idx="1" type="body"/>
@@ -1675,7 +1977,8 @@
               <a:buNone/>
             </a:pPr>
             <a:r>
-              <a:t/>
+              <a:rPr lang="en"/>
+              <a:t>To begin with, we started eliminating columns. There were columns that were had redundant info such as 4 different ways to record the anime title. We removed the ID columns and any column that didn’t have any documentation.</a:t>
             </a:r>
             <a:endParaRPr/>
           </a:p>
@@ -1694,7 +1997,7 @@
   <p:cSld>
     <p:spTree>
       <p:nvGrpSpPr>
-        <p:cNvPr id="110" name="Shape 110"/>
+        <p:cNvPr id="112" name="Shape 112"/>
         <p:cNvGrpSpPr/>
         <p:nvPr/>
       </p:nvGrpSpPr>
@@ -1708,7 +2011,7 @@
       </p:grpSpPr>
       <p:sp>
         <p:nvSpPr>
-          <p:cNvPr id="111" name="Google Shape;111;g3dc950a2c8_0_125:notes"/>
+          <p:cNvPr id="113" name="Google Shape;113;g3dc950a2c8_0_125:notes"/>
           <p:cNvSpPr/>
           <p:nvPr>
             <p:ph idx="2" type="sldImg"/>
@@ -1742,7 +2045,7 @@
       </p:sp>
       <p:sp>
         <p:nvSpPr>
-          <p:cNvPr id="112" name="Google Shape;112;g3dc950a2c8_0_125:notes"/>
+          <p:cNvPr id="114" name="Google Shape;114;g3dc950a2c8_0_125:notes"/>
           <p:cNvSpPr txBox="1"/>
           <p:nvPr>
             <p:ph idx="1" type="body"/>
@@ -1763,17 +2066,18 @@
           </a:bodyPr>
           <a:lstStyle/>
           <a:p>
-            <a:pPr indent="0" lvl="0" marL="0">
-              <a:spcBef>
-                <a:spcPts val="0"/>
-              </a:spcBef>
-              <a:spcAft>
-                <a:spcPts val="0"/>
-              </a:spcAft>
-              <a:buNone/>
-            </a:pPr>
-            <a:r>
-              <a:t/>
+            <a:pPr indent="0" lvl="0" marL="0" rtl="0">
+              <a:spcBef>
+                <a:spcPts val="0"/>
+              </a:spcBef>
+              <a:spcAft>
+                <a:spcPts val="0"/>
+              </a:spcAft>
+              <a:buNone/>
+            </a:pPr>
+            <a:r>
+              <a:rPr lang="en"/>
+              <a:t>After scaling for skewness and testing for NearZeroVariance, we ended up with 26 columns. 13 categorical and 13 continuous. The categorical variables had many levels, so we had to clean it some more.</a:t>
             </a:r>
             <a:endParaRPr/>
           </a:p>
@@ -1792,7 +2096,7 @@
   <p:cSld>
     <p:spTree>
       <p:nvGrpSpPr>
-        <p:cNvPr id="120" name="Shape 120"/>
+        <p:cNvPr id="121" name="Shape 121"/>
         <p:cNvGrpSpPr/>
         <p:nvPr/>
       </p:nvGrpSpPr>
@@ -1806,7 +2110,7 @@
       </p:grpSpPr>
       <p:sp>
         <p:nvSpPr>
-          <p:cNvPr id="121" name="Google Shape;121;g3dc950a2c8_0_57:notes"/>
+          <p:cNvPr id="122" name="Google Shape;122;g3dc950a2c8_0_57:notes"/>
           <p:cNvSpPr/>
           <p:nvPr>
             <p:ph idx="2" type="sldImg"/>
@@ -1840,7 +2144,7 @@
       </p:sp>
       <p:sp>
         <p:nvSpPr>
-          <p:cNvPr id="122" name="Google Shape;122;g3dc950a2c8_0_57:notes"/>
+          <p:cNvPr id="123" name="Google Shape;123;g3dc950a2c8_0_57:notes"/>
           <p:cNvSpPr txBox="1"/>
           <p:nvPr>
             <p:ph idx="1" type="body"/>
@@ -1861,17 +2165,18 @@
           </a:bodyPr>
           <a:lstStyle/>
           <a:p>
-            <a:pPr indent="0" lvl="0" marL="0">
-              <a:spcBef>
-                <a:spcPts val="0"/>
-              </a:spcBef>
-              <a:spcAft>
-                <a:spcPts val="0"/>
-              </a:spcAft>
-              <a:buNone/>
-            </a:pPr>
-            <a:r>
-              <a:t/>
+            <a:pPr indent="0" lvl="0" marL="0" rtl="0">
+              <a:spcBef>
+                <a:spcPts val="0"/>
+              </a:spcBef>
+              <a:spcAft>
+                <a:spcPts val="0"/>
+              </a:spcAft>
+              <a:buNone/>
+            </a:pPr>
+            <a:r>
+              <a:rPr lang="en"/>
+              <a:t>We removed any My_scsore with a 0. For Rank, we removed 17 of the rows with missing data. We binned several others in ways that made sense and that made them usable.</a:t>
             </a:r>
             <a:endParaRPr/>
           </a:p>
@@ -1890,7 +2195,7 @@
   <p:cSld>
     <p:spTree>
       <p:nvGrpSpPr>
-        <p:cNvPr id="126" name="Shape 126"/>
+        <p:cNvPr id="127" name="Shape 127"/>
         <p:cNvGrpSpPr/>
         <p:nvPr/>
       </p:nvGrpSpPr>
@@ -1904,7 +2209,7 @@
       </p:grpSpPr>
       <p:sp>
         <p:nvSpPr>
-          <p:cNvPr id="127" name="Google Shape;127;g3dc950a2c8_0_64:notes"/>
+          <p:cNvPr id="128" name="Google Shape;128;g3dc950a2c8_0_64:notes"/>
           <p:cNvSpPr/>
           <p:nvPr>
             <p:ph idx="2" type="sldImg"/>
@@ -1938,7 +2243,7 @@
       </p:sp>
       <p:sp>
         <p:nvSpPr>
-          <p:cNvPr id="128" name="Google Shape;128;g3dc950a2c8_0_64:notes"/>
+          <p:cNvPr id="129" name="Google Shape;129;g3dc950a2c8_0_64:notes"/>
           <p:cNvSpPr txBox="1"/>
           <p:nvPr>
             <p:ph idx="1" type="body"/>
@@ -1959,7 +2264,214 @@
           </a:bodyPr>
           <a:lstStyle/>
           <a:p>
-            <a:pPr indent="0" lvl="0" marL="0">
+            <a:pPr indent="0" lvl="0" marL="0" rtl="0">
+              <a:spcBef>
+                <a:spcPts val="0"/>
+              </a:spcBef>
+              <a:spcAft>
+                <a:spcPts val="0"/>
+              </a:spcAft>
+              <a:buNone/>
+            </a:pPr>
+            <a:r>
+              <a:rPr lang="en"/>
+              <a:t>We then ran a Logistic Regression model using Stepwise AIC going both ways to finalize which features to use. </a:t>
+            </a:r>
+            <a:endParaRPr/>
+          </a:p>
+          <a:p>
+            <a:pPr indent="0" lvl="0" marL="0" rtl="0">
+              <a:spcBef>
+                <a:spcPts val="0"/>
+              </a:spcBef>
+              <a:spcAft>
+                <a:spcPts val="0"/>
+              </a:spcAft>
+              <a:buNone/>
+            </a:pPr>
+            <a:r>
+              <a:t/>
+            </a:r>
+            <a:endParaRPr/>
+          </a:p>
+          <a:p>
+            <a:pPr indent="0" lvl="0" marL="0" rtl="0">
+              <a:spcBef>
+                <a:spcPts val="0"/>
+              </a:spcBef>
+              <a:spcAft>
+                <a:spcPts val="0"/>
+              </a:spcAft>
+              <a:buNone/>
+            </a:pPr>
+            <a:r>
+              <a:rPr lang="en"/>
+              <a:t>Output from StepAIC</a:t>
+            </a:r>
+            <a:endParaRPr/>
+          </a:p>
+          <a:p>
+            <a:pPr indent="0" lvl="0" marL="0" rtl="0">
+              <a:spcBef>
+                <a:spcPts val="0"/>
+              </a:spcBef>
+              <a:spcAft>
+                <a:spcPts val="0"/>
+              </a:spcAft>
+              <a:buNone/>
+            </a:pPr>
+            <a:r>
+              <a:rPr lang="en"/>
+              <a:t>".outcome"                          "anime_srcManga"                   </a:t>
+            </a:r>
+            <a:endParaRPr/>
+          </a:p>
+          <a:p>
+            <a:pPr indent="0" lvl="0" marL="0" rtl="0">
+              <a:spcBef>
+                <a:spcPts val="0"/>
+              </a:spcBef>
+              <a:spcAft>
+                <a:spcPts val="0"/>
+              </a:spcAft>
+              <a:buNone/>
+            </a:pPr>
+            <a:r>
+              <a:rPr lang="en"/>
+              <a:t>"anime_srcOther"                    "anime_lenmovie"                   </a:t>
+            </a:r>
+            <a:endParaRPr/>
+          </a:p>
+          <a:p>
+            <a:pPr indent="0" lvl="0" marL="0" rtl="0">
+              <a:spcBef>
+                <a:spcPts val="0"/>
+              </a:spcBef>
+              <a:spcAft>
+                <a:spcPts val="0"/>
+              </a:spcAft>
+              <a:buNone/>
+            </a:pPr>
+            <a:r>
+              <a:rPr lang="en"/>
+              <a:t>"rateR+"                            "score"                            </a:t>
+            </a:r>
+            <a:endParaRPr/>
+          </a:p>
+          <a:p>
+            <a:pPr indent="0" lvl="0" marL="0" rtl="0">
+              <a:spcBef>
+                <a:spcPts val="0"/>
+              </a:spcBef>
+              <a:spcAft>
+                <a:spcPts val="0"/>
+              </a:spcAft>
+              <a:buNone/>
+            </a:pPr>
+            <a:r>
+              <a:rPr lang="en"/>
+              <a:t>"scored_by"                         "rank"                             </a:t>
+            </a:r>
+            <a:endParaRPr/>
+          </a:p>
+          <a:p>
+            <a:pPr indent="0" lvl="0" marL="0" rtl="0">
+              <a:spcBef>
+                <a:spcPts val="0"/>
+              </a:spcBef>
+              <a:spcAft>
+                <a:spcPts val="0"/>
+              </a:spcAft>
+              <a:buNone/>
+            </a:pPr>
+            <a:r>
+              <a:rPr lang="en"/>
+              <a:t>"popularity"                        "favorites"                        </a:t>
+            </a:r>
+            <a:endParaRPr/>
+          </a:p>
+          <a:p>
+            <a:pPr indent="0" lvl="0" marL="0" rtl="0">
+              <a:spcBef>
+                <a:spcPts val="0"/>
+              </a:spcBef>
+              <a:spcAft>
+                <a:spcPts val="0"/>
+              </a:spcAft>
+              <a:buNone/>
+            </a:pPr>
+            <a:r>
+              <a:rPr lang="en"/>
+              <a:t>"user_watching"                     "user_completed"                   </a:t>
+            </a:r>
+            <a:endParaRPr/>
+          </a:p>
+          <a:p>
+            <a:pPr indent="0" lvl="0" marL="0" rtl="0">
+              <a:spcBef>
+                <a:spcPts val="0"/>
+              </a:spcBef>
+              <a:spcAft>
+                <a:spcPts val="0"/>
+              </a:spcAft>
+              <a:buNone/>
+            </a:pPr>
+            <a:r>
+              <a:rPr lang="en"/>
+              <a:t>"user_onhold"                       "user_dropped"                     </a:t>
+            </a:r>
+            <a:endParaRPr/>
+          </a:p>
+          <a:p>
+            <a:pPr indent="0" lvl="0" marL="0" rtl="0">
+              <a:spcBef>
+                <a:spcPts val="0"/>
+              </a:spcBef>
+              <a:spcAft>
+                <a:spcPts val="0"/>
+              </a:spcAft>
+              <a:buNone/>
+            </a:pPr>
+            <a:r>
+              <a:rPr lang="en"/>
+              <a:t>"user_plantowatch"                  "lst_online_yrBefore 2018"         </a:t>
+            </a:r>
+            <a:endParaRPr/>
+          </a:p>
+          <a:p>
+            <a:pPr indent="0" lvl="0" marL="0" rtl="0">
+              <a:spcBef>
+                <a:spcPts val="0"/>
+              </a:spcBef>
+              <a:spcAft>
+                <a:spcPts val="0"/>
+              </a:spcAft>
+              <a:buNone/>
+            </a:pPr>
+            <a:r>
+              <a:rPr lang="en"/>
+              <a:t>"lst_online_yrNot Reported or 1900" "join_yrLate"                      </a:t>
+            </a:r>
+            <a:endParaRPr/>
+          </a:p>
+          <a:p>
+            <a:pPr indent="0" lvl="0" marL="0" rtl="0">
+              <a:spcBef>
+                <a:spcPts val="0"/>
+              </a:spcBef>
+              <a:spcAft>
+                <a:spcPts val="0"/>
+              </a:spcAft>
+              <a:buNone/>
+            </a:pPr>
+            <a:r>
+              <a:rPr lang="en"/>
+              <a:t>"gnd_grpNon-Binary"                 "broadcastedSunday" </a:t>
+            </a:r>
+            <a:endParaRPr/>
+          </a:p>
+          <a:p>
+            <a:pPr indent="0" lvl="0" marL="0" rtl="0">
               <a:spcBef>
                 <a:spcPts val="0"/>
               </a:spcBef>
@@ -7443,7 +7955,7 @@
   <p:cSld>
     <p:spTree>
       <p:nvGrpSpPr>
-        <p:cNvPr id="139" name="Shape 139"/>
+        <p:cNvPr id="140" name="Shape 140"/>
         <p:cNvGrpSpPr/>
         <p:nvPr/>
       </p:nvGrpSpPr>
@@ -7457,7 +7969,7 @@
       </p:grpSpPr>
       <p:sp>
         <p:nvSpPr>
-          <p:cNvPr id="140" name="Google Shape;140;p22"/>
+          <p:cNvPr id="141" name="Google Shape;141;p22"/>
           <p:cNvSpPr txBox="1"/>
           <p:nvPr>
             <p:ph type="title"/>
@@ -7478,7 +7990,7 @@
           </a:bodyPr>
           <a:lstStyle/>
           <a:p>
-            <a:pPr indent="0" lvl="0" marL="0">
+            <a:pPr indent="0" lvl="0" marL="0" rtl="0">
               <a:spcBef>
                 <a:spcPts val="0"/>
               </a:spcBef>
@@ -7497,7 +8009,7 @@
       </p:sp>
       <p:pic>
         <p:nvPicPr>
-          <p:cNvPr id="141" name="Google Shape;141;p22"/>
+          <p:cNvPr id="142" name="Google Shape;142;p22"/>
           <p:cNvPicPr preferRelativeResize="0"/>
           <p:nvPr/>
         </p:nvPicPr>
@@ -7511,7 +8023,7 @@
         </p:blipFill>
         <p:spPr>
           <a:xfrm>
-            <a:off x="2495353" y="2323683"/>
+            <a:off x="311703" y="2332358"/>
             <a:ext cx="4970696" cy="2050263"/>
           </a:xfrm>
           <a:prstGeom prst="rect">
@@ -7525,14 +8037,14 @@
       </p:pic>
       <p:sp>
         <p:nvSpPr>
-          <p:cNvPr id="142" name="Google Shape;142;p22"/>
+          <p:cNvPr id="143" name="Google Shape;143;p22"/>
           <p:cNvSpPr txBox="1"/>
           <p:nvPr/>
         </p:nvSpPr>
         <p:spPr>
           <a:xfrm>
-            <a:off x="3511450" y="1152423"/>
-            <a:ext cx="2938500" cy="434400"/>
+            <a:off x="1327800" y="1526687"/>
+            <a:ext cx="2938500" cy="431400"/>
           </a:xfrm>
           <a:prstGeom prst="rect">
             <a:avLst/>
@@ -7570,6 +8082,150 @@
               <a:t>Our Choice: Sensitivity</a:t>
             </a:r>
             <a:endParaRPr b="1" sz="2400">
+              <a:solidFill>
+                <a:schemeClr val="accent1"/>
+              </a:solidFill>
+              <a:latin typeface="PT Sans Narrow"/>
+              <a:ea typeface="PT Sans Narrow"/>
+              <a:cs typeface="PT Sans Narrow"/>
+              <a:sym typeface="PT Sans Narrow"/>
+            </a:endParaRPr>
+          </a:p>
+        </p:txBody>
+      </p:sp>
+      <p:pic>
+        <p:nvPicPr>
+          <p:cNvPr id="144" name="Google Shape;144;p22"/>
+          <p:cNvPicPr preferRelativeResize="0"/>
+          <p:nvPr/>
+        </p:nvPicPr>
+        <p:blipFill>
+          <a:blip r:embed="rId4">
+            <a:alphaModFix/>
+          </a:blip>
+          <a:stretch>
+            <a:fillRect/>
+          </a:stretch>
+        </p:blipFill>
+        <p:spPr>
+          <a:xfrm>
+            <a:off x="6189400" y="817350"/>
+            <a:ext cx="2380200" cy="3364025"/>
+          </a:xfrm>
+          <a:prstGeom prst="rect">
+            <a:avLst/>
+          </a:prstGeom>
+          <a:noFill/>
+          <a:ln>
+            <a:noFill/>
+          </a:ln>
+        </p:spPr>
+      </p:pic>
+      <p:sp>
+        <p:nvSpPr>
+          <p:cNvPr id="145" name="Google Shape;145;p22"/>
+          <p:cNvSpPr txBox="1"/>
+          <p:nvPr/>
+        </p:nvSpPr>
+        <p:spPr>
+          <a:xfrm>
+            <a:off x="6377638" y="385950"/>
+            <a:ext cx="2003700" cy="431400"/>
+          </a:xfrm>
+          <a:prstGeom prst="rect">
+            <a:avLst/>
+          </a:prstGeom>
+          <a:noFill/>
+          <a:ln>
+            <a:noFill/>
+          </a:ln>
+        </p:spPr>
+        <p:txBody>
+          <a:bodyPr anchorCtr="0" anchor="ctr" bIns="91425" lIns="91425" spcFirstLastPara="1" rIns="91425" wrap="square" tIns="91425">
+            <a:noAutofit/>
+          </a:bodyPr>
+          <a:lstStyle/>
+          <a:p>
+            <a:pPr indent="0" lvl="0" marL="0" rtl="0" algn="ctr">
+              <a:spcBef>
+                <a:spcPts val="0"/>
+              </a:spcBef>
+              <a:spcAft>
+                <a:spcPts val="0"/>
+              </a:spcAft>
+              <a:buNone/>
+            </a:pPr>
+            <a:r>
+              <a:rPr b="1" lang="en">
+                <a:solidFill>
+                  <a:schemeClr val="accent1"/>
+                </a:solidFill>
+                <a:latin typeface="PT Sans Narrow"/>
+                <a:ea typeface="PT Sans Narrow"/>
+                <a:cs typeface="PT Sans Narrow"/>
+                <a:sym typeface="PT Sans Narrow"/>
+              </a:rPr>
+              <a:t>Sword Art Online</a:t>
+            </a:r>
+            <a:endParaRPr b="1">
+              <a:solidFill>
+                <a:schemeClr val="accent1"/>
+              </a:solidFill>
+              <a:latin typeface="PT Sans Narrow"/>
+              <a:ea typeface="PT Sans Narrow"/>
+              <a:cs typeface="PT Sans Narrow"/>
+              <a:sym typeface="PT Sans Narrow"/>
+            </a:endParaRPr>
+          </a:p>
+        </p:txBody>
+      </p:sp>
+      <p:sp>
+        <p:nvSpPr>
+          <p:cNvPr id="146" name="Google Shape;146;p22"/>
+          <p:cNvSpPr txBox="1"/>
+          <p:nvPr/>
+        </p:nvSpPr>
+        <p:spPr>
+          <a:xfrm>
+            <a:off x="6414850" y="4181375"/>
+            <a:ext cx="1929300" cy="381900"/>
+          </a:xfrm>
+          <a:prstGeom prst="rect">
+            <a:avLst/>
+          </a:prstGeom>
+          <a:noFill/>
+          <a:ln>
+            <a:noFill/>
+          </a:ln>
+        </p:spPr>
+        <p:txBody>
+          <a:bodyPr anchorCtr="0" anchor="ctr" bIns="91425" lIns="91425" spcFirstLastPara="1" rIns="91425" wrap="square" tIns="91425">
+            <a:noAutofit/>
+          </a:bodyPr>
+          <a:lstStyle/>
+          <a:p>
+            <a:pPr indent="0" lvl="0" marL="0" rtl="0" algn="ctr">
+              <a:spcBef>
+                <a:spcPts val="0"/>
+              </a:spcBef>
+              <a:spcAft>
+                <a:spcPts val="0"/>
+              </a:spcAft>
+              <a:buNone/>
+            </a:pPr>
+            <a:r>
+              <a:rPr b="1" lang="en">
+                <a:solidFill>
+                  <a:schemeClr val="accent1"/>
+                </a:solidFill>
+                <a:latin typeface="PT Sans Narrow"/>
+                <a:ea typeface="PT Sans Narrow"/>
+                <a:cs typeface="PT Sans Narrow"/>
+                <a:sym typeface="PT Sans Narrow"/>
+              </a:rPr>
+              <a:t>Anime</a:t>
+            </a:r>
+            <a:endParaRPr b="1">
               <a:solidFill>
                 <a:schemeClr val="accent1"/>
               </a:solidFill>
@@ -7594,7 +8250,7 @@
   <p:cSld>
     <p:spTree>
       <p:nvGrpSpPr>
-        <p:cNvPr id="146" name="Shape 146"/>
+        <p:cNvPr id="150" name="Shape 150"/>
         <p:cNvGrpSpPr/>
         <p:nvPr/>
       </p:nvGrpSpPr>
@@ -7608,7 +8264,234 @@
       </p:grpSpPr>
       <p:sp>
         <p:nvSpPr>
-          <p:cNvPr id="147" name="Google Shape;147;p23"/>
+          <p:cNvPr id="151" name="Google Shape;151;p23"/>
+          <p:cNvSpPr txBox="1"/>
+          <p:nvPr>
+            <p:ph idx="1" type="body"/>
+          </p:nvPr>
+        </p:nvSpPr>
+        <p:spPr>
+          <a:xfrm>
+            <a:off x="311700" y="1065057"/>
+            <a:ext cx="4260300" cy="3946500"/>
+          </a:xfrm>
+          <a:prstGeom prst="rect">
+            <a:avLst/>
+          </a:prstGeom>
+        </p:spPr>
+        <p:txBody>
+          <a:bodyPr anchorCtr="0" anchor="t" bIns="91425" lIns="91425" spcFirstLastPara="1" rIns="91425" wrap="square" tIns="91425">
+            <a:noAutofit/>
+          </a:bodyPr>
+          <a:lstStyle/>
+          <a:p>
+            <a:pPr indent="0" lvl="0" marL="0" rtl="0">
+              <a:spcBef>
+                <a:spcPts val="0"/>
+              </a:spcBef>
+              <a:spcAft>
+                <a:spcPts val="0"/>
+              </a:spcAft>
+              <a:buNone/>
+            </a:pPr>
+            <a:r>
+              <a:rPr lang="en"/>
+              <a:t>Random Forest</a:t>
+            </a:r>
+            <a:endParaRPr/>
+          </a:p>
+          <a:p>
+            <a:pPr indent="-342900" lvl="0" marL="457200" rtl="0">
+              <a:spcBef>
+                <a:spcPts val="1600"/>
+              </a:spcBef>
+              <a:spcAft>
+                <a:spcPts val="0"/>
+              </a:spcAft>
+              <a:buSzPts val="1800"/>
+              <a:buChar char="●"/>
+            </a:pPr>
+            <a:r>
+              <a:rPr lang="en"/>
+              <a:t>Mtry = 14</a:t>
+            </a:r>
+            <a:endParaRPr/>
+          </a:p>
+          <a:p>
+            <a:pPr indent="-342900" lvl="0" marL="457200" rtl="0">
+              <a:spcBef>
+                <a:spcPts val="0"/>
+              </a:spcBef>
+              <a:spcAft>
+                <a:spcPts val="0"/>
+              </a:spcAft>
+              <a:buSzPts val="1800"/>
+              <a:buChar char="●"/>
+            </a:pPr>
+            <a:r>
+              <a:rPr lang="en"/>
+              <a:t>Sensitivity = 71.78%</a:t>
+            </a:r>
+            <a:endParaRPr/>
+          </a:p>
+          <a:p>
+            <a:pPr indent="-317500" lvl="1" marL="914400" rtl="0">
+              <a:spcBef>
+                <a:spcPts val="0"/>
+              </a:spcBef>
+              <a:spcAft>
+                <a:spcPts val="0"/>
+              </a:spcAft>
+              <a:buSzPts val="1400"/>
+              <a:buChar char="○"/>
+            </a:pPr>
+            <a:r>
+              <a:rPr lang="en"/>
+              <a:t>Also to note: 6, 71.32%</a:t>
+            </a:r>
+            <a:endParaRPr/>
+          </a:p>
+          <a:p>
+            <a:pPr indent="0" lvl="0" marL="0" rtl="0">
+              <a:spcBef>
+                <a:spcPts val="1600"/>
+              </a:spcBef>
+              <a:spcAft>
+                <a:spcPts val="0"/>
+              </a:spcAft>
+              <a:buNone/>
+            </a:pPr>
+            <a:r>
+              <a:t/>
+            </a:r>
+            <a:endParaRPr/>
+          </a:p>
+          <a:p>
+            <a:pPr indent="0" lvl="0" marL="0" rtl="0">
+              <a:spcBef>
+                <a:spcPts val="1600"/>
+              </a:spcBef>
+              <a:spcAft>
+                <a:spcPts val="0"/>
+              </a:spcAft>
+              <a:buNone/>
+            </a:pPr>
+            <a:r>
+              <a:rPr lang="en"/>
+              <a:t>K-Nearest Neighbor </a:t>
+            </a:r>
+            <a:endParaRPr/>
+          </a:p>
+          <a:p>
+            <a:pPr indent="-342900" lvl="0" marL="457200" rtl="0">
+              <a:spcBef>
+                <a:spcPts val="1600"/>
+              </a:spcBef>
+              <a:spcAft>
+                <a:spcPts val="0"/>
+              </a:spcAft>
+              <a:buSzPts val="1800"/>
+              <a:buChar char="●"/>
+            </a:pPr>
+            <a:r>
+              <a:rPr lang="en"/>
+              <a:t>K = 48</a:t>
+            </a:r>
+            <a:endParaRPr/>
+          </a:p>
+          <a:p>
+            <a:pPr indent="-342900" lvl="0" marL="457200" rtl="0">
+              <a:spcBef>
+                <a:spcPts val="0"/>
+              </a:spcBef>
+              <a:spcAft>
+                <a:spcPts val="0"/>
+              </a:spcAft>
+              <a:buSzPts val="1800"/>
+              <a:buChar char="●"/>
+            </a:pPr>
+            <a:r>
+              <a:rPr lang="en"/>
+              <a:t>Sensitivity = 73.76%</a:t>
+            </a:r>
+            <a:endParaRPr/>
+          </a:p>
+          <a:p>
+            <a:pPr indent="0" lvl="0" marL="0" rtl="0">
+              <a:spcBef>
+                <a:spcPts val="1600"/>
+              </a:spcBef>
+              <a:spcAft>
+                <a:spcPts val="1600"/>
+              </a:spcAft>
+              <a:buNone/>
+            </a:pPr>
+            <a:r>
+              <a:t/>
+            </a:r>
+            <a:endParaRPr/>
+          </a:p>
+        </p:txBody>
+      </p:sp>
+      <p:pic>
+        <p:nvPicPr>
+          <p:cNvPr id="152" name="Google Shape;152;p23"/>
+          <p:cNvPicPr preferRelativeResize="0"/>
+          <p:nvPr/>
+        </p:nvPicPr>
+        <p:blipFill>
+          <a:blip r:embed="rId3">
+            <a:alphaModFix/>
+          </a:blip>
+          <a:stretch>
+            <a:fillRect/>
+          </a:stretch>
+        </p:blipFill>
+        <p:spPr>
+          <a:xfrm>
+            <a:off x="5581775" y="3005499"/>
+            <a:ext cx="3250525" cy="2006050"/>
+          </a:xfrm>
+          <a:prstGeom prst="rect">
+            <a:avLst/>
+          </a:prstGeom>
+          <a:noFill/>
+          <a:ln>
+            <a:noFill/>
+          </a:ln>
+        </p:spPr>
+      </p:pic>
+      <p:pic>
+        <p:nvPicPr>
+          <p:cNvPr id="153" name="Google Shape;153;p23"/>
+          <p:cNvPicPr preferRelativeResize="0"/>
+          <p:nvPr/>
+        </p:nvPicPr>
+        <p:blipFill>
+          <a:blip r:embed="rId4">
+            <a:alphaModFix/>
+          </a:blip>
+          <a:stretch>
+            <a:fillRect/>
+          </a:stretch>
+        </p:blipFill>
+        <p:spPr>
+          <a:xfrm>
+            <a:off x="4956175" y="812575"/>
+            <a:ext cx="3876126" cy="2392125"/>
+          </a:xfrm>
+          <a:prstGeom prst="rect">
+            <a:avLst/>
+          </a:prstGeom>
+          <a:noFill/>
+          <a:ln>
+            <a:noFill/>
+          </a:ln>
+        </p:spPr>
+      </p:pic>
+      <p:sp>
+        <p:nvSpPr>
+          <p:cNvPr id="154" name="Google Shape;154;p23"/>
           <p:cNvSpPr txBox="1"/>
           <p:nvPr>
             <p:ph type="title"/>
@@ -7646,9 +8529,34 @@
           </a:p>
         </p:txBody>
       </p:sp>
+    </p:spTree>
+  </p:cSld>
+  <p:clrMapOvr>
+    <a:masterClrMapping/>
+  </p:clrMapOvr>
+</p:sld>
+</file>
+
+<file path=ppt/slides/slide12.xml><?xml version="1.0" encoding="utf-8"?>
+<p:sld xmlns:a="http://schemas.openxmlformats.org/drawingml/2006/main" xmlns:r="http://schemas.openxmlformats.org/officeDocument/2006/relationships" xmlns:mc="http://schemas.openxmlformats.org/markup-compatibility/2006" xmlns:mv="urn:schemas-microsoft-com:mac:vml" xmlns:p="http://schemas.openxmlformats.org/presentationml/2006/main" xmlns:c="http://schemas.openxmlformats.org/drawingml/2006/chart" xmlns:dgm="http://schemas.openxmlformats.org/drawingml/2006/diagram" xmlns:o="urn:schemas-microsoft-com:office:office" xmlns:v="urn:schemas-microsoft-com:vml" xmlns:pvml="urn:schemas-microsoft-com:office:powerpoint" xmlns:com="http://schemas.openxmlformats.org/drawingml/2006/compatibility" xmlns:p14="http://schemas.microsoft.com/office/powerpoint/2010/main" xmlns:p15="http://schemas.microsoft.com/office/powerpoint/2012/main">
+  <p:cSld>
+    <p:spTree>
+      <p:nvGrpSpPr>
+        <p:cNvPr id="158" name="Shape 158"/>
+        <p:cNvGrpSpPr/>
+        <p:nvPr/>
+      </p:nvGrpSpPr>
+      <p:grpSpPr>
+        <a:xfrm>
+          <a:off x="0" y="0"/>
+          <a:ext cx="0" cy="0"/>
+          <a:chOff x="0" y="0"/>
+          <a:chExt cx="0" cy="0"/>
+        </a:xfrm>
+      </p:grpSpPr>
       <p:sp>
         <p:nvSpPr>
-          <p:cNvPr id="148" name="Google Shape;148;p23"/>
+          <p:cNvPr id="159" name="Google Shape;159;p24"/>
           <p:cNvSpPr txBox="1"/>
           <p:nvPr>
             <p:ph idx="1" type="body"/>
@@ -7656,7 +8564,7 @@
         </p:nvSpPr>
         <p:spPr>
           <a:xfrm>
-            <a:off x="311700" y="1065057"/>
+            <a:off x="256825" y="1087226"/>
             <a:ext cx="4260300" cy="3946500"/>
           </a:xfrm>
           <a:prstGeom prst="rect">
@@ -7680,7 +8588,7 @@
             </a:pPr>
             <a:r>
               <a:rPr lang="en"/>
-              <a:t>Random Forest</a:t>
+              <a:t>Logistic Regression</a:t>
             </a:r>
             <a:endParaRPr/>
           </a:p>
@@ -7697,14 +8605,60 @@
             </a:pPr>
             <a:r>
               <a:rPr lang="en"/>
-              <a:t>Mtry = 14</a:t>
+              <a:t>Sensitivity = 71%</a:t>
+            </a:r>
+            <a:endParaRPr sz="1800"/>
+          </a:p>
+          <a:p>
+            <a:pPr indent="0" lvl="0" marL="0" rtl="0">
+              <a:spcBef>
+                <a:spcPts val="1600"/>
+              </a:spcBef>
+              <a:spcAft>
+                <a:spcPts val="0"/>
+              </a:spcAft>
+              <a:buNone/>
+            </a:pPr>
+            <a:r>
+              <a:t/>
+            </a:r>
+            <a:endParaRPr/>
+          </a:p>
+          <a:p>
+            <a:pPr indent="0" lvl="0" marL="0" rtl="0">
+              <a:spcBef>
+                <a:spcPts val="1600"/>
+              </a:spcBef>
+              <a:spcAft>
+                <a:spcPts val="0"/>
+              </a:spcAft>
+              <a:buNone/>
+            </a:pPr>
+            <a:r>
+              <a:t/>
+            </a:r>
+            <a:endParaRPr/>
+          </a:p>
+          <a:p>
+            <a:pPr indent="0" lvl="0" marL="0" rtl="0">
+              <a:spcBef>
+                <a:spcPts val="1600"/>
+              </a:spcBef>
+              <a:spcAft>
+                <a:spcPts val="0"/>
+              </a:spcAft>
+              <a:buNone/>
+            </a:pPr>
+            <a:r>
+              <a:rPr lang="en"/>
+              <a:t>LDA</a:t>
             </a:r>
             <a:endParaRPr/>
           </a:p>
           <a:p>
             <a:pPr indent="-342900" lvl="0" marL="457200" rtl="0">
               <a:spcBef>
-                <a:spcPts val="0"/>
+                <a:spcPts val="1600"/>
               </a:spcBef>
               <a:spcAft>
                 <a:spcPts val="0"/>
@@ -7714,104 +8668,7 @@
             </a:pPr>
             <a:r>
               <a:rPr lang="en"/>
-              <a:t>Sensitivity = 71.78%</a:t>
-            </a:r>
-            <a:endParaRPr/>
-          </a:p>
-          <a:p>
-            <a:pPr indent="-317500" lvl="1" marL="914400" rtl="0">
-              <a:spcBef>
-                <a:spcPts val="0"/>
-              </a:spcBef>
-              <a:spcAft>
-                <a:spcPts val="0"/>
-              </a:spcAft>
-              <a:buSzPts val="1400"/>
-              <a:buChar char="○"/>
-            </a:pPr>
-            <a:r>
-              <a:rPr lang="en"/>
-              <a:t>Also to note: 6, 71.32%</a:t>
-            </a:r>
-            <a:endParaRPr/>
-          </a:p>
-          <a:p>
-            <a:pPr indent="0" lvl="0" marL="0" rtl="0">
-              <a:spcBef>
-                <a:spcPts val="1600"/>
-              </a:spcBef>
-              <a:spcAft>
-                <a:spcPts val="0"/>
-              </a:spcAft>
-              <a:buNone/>
-            </a:pPr>
-            <a:r>
-              <a:t/>
-            </a:r>
-            <a:endParaRPr/>
-          </a:p>
-          <a:p>
-            <a:pPr indent="0" lvl="0" marL="0" rtl="0">
-              <a:spcBef>
-                <a:spcPts val="1600"/>
-              </a:spcBef>
-              <a:spcAft>
-                <a:spcPts val="0"/>
-              </a:spcAft>
-              <a:buNone/>
-            </a:pPr>
-            <a:r>
-              <a:rPr lang="en"/>
-              <a:t>K-Nearest Neighbor </a:t>
-            </a:r>
-            <a:endParaRPr/>
-          </a:p>
-          <a:p>
-            <a:pPr indent="-342900" lvl="0" marL="457200" rtl="0">
-              <a:spcBef>
-                <a:spcPts val="1600"/>
-              </a:spcBef>
-              <a:spcAft>
-                <a:spcPts val="0"/>
-              </a:spcAft>
-              <a:buSzPts val="1800"/>
-              <a:buChar char="●"/>
-            </a:pPr>
-            <a:r>
-              <a:rPr lang="en"/>
-              <a:t>K = 48</a:t>
-            </a:r>
-            <a:endParaRPr/>
-          </a:p>
-          <a:p>
-            <a:pPr indent="-342900" lvl="0" marL="457200" rtl="0">
-              <a:spcBef>
-                <a:spcPts val="0"/>
-              </a:spcBef>
-              <a:spcAft>
-                <a:spcPts val="0"/>
-              </a:spcAft>
-              <a:buSzPts val="1800"/>
-              <a:buChar char="●"/>
-            </a:pPr>
-            <a:r>
-              <a:rPr lang="en"/>
-              <a:t>Sensitivity = 73.76%</a:t>
-            </a:r>
-            <a:endParaRPr/>
-          </a:p>
-          <a:p>
-            <a:pPr indent="0" lvl="0" marL="0" rtl="0">
-              <a:spcBef>
-                <a:spcPts val="1600"/>
-              </a:spcBef>
-              <a:spcAft>
-                <a:spcPts val="1600"/>
-              </a:spcAft>
-              <a:buNone/>
-            </a:pPr>
-            <a:r>
-              <a:t/>
+              <a:t>Sensitivity = 73.09%</a:t>
             </a:r>
             <a:endParaRPr/>
           </a:p>
@@ -7819,7 +8676,7 @@
       </p:sp>
       <p:pic>
         <p:nvPicPr>
-          <p:cNvPr id="149" name="Google Shape;149;p23"/>
+          <p:cNvPr id="160" name="Google Shape;160;p24"/>
           <p:cNvPicPr preferRelativeResize="0"/>
           <p:nvPr/>
         </p:nvPicPr>
@@ -7833,8 +8690,8 @@
         </p:blipFill>
         <p:spPr>
           <a:xfrm>
-            <a:off x="3654775" y="1065050"/>
-            <a:ext cx="3177324" cy="1960862"/>
+            <a:off x="5396450" y="2913300"/>
+            <a:ext cx="3435850" cy="2120424"/>
           </a:xfrm>
           <a:prstGeom prst="rect">
             <a:avLst/>
@@ -7847,7 +8704,7 @@
       </p:pic>
       <p:pic>
         <p:nvPicPr>
-          <p:cNvPr id="150" name="Google Shape;150;p23"/>
+          <p:cNvPr id="161" name="Google Shape;161;p24"/>
           <p:cNvPicPr preferRelativeResize="0"/>
           <p:nvPr/>
         </p:nvPicPr>
@@ -7861,8 +8718,8 @@
         </p:blipFill>
         <p:spPr>
           <a:xfrm>
-            <a:off x="5603675" y="2970750"/>
-            <a:ext cx="3177324" cy="2040800"/>
+            <a:off x="4687450" y="726475"/>
+            <a:ext cx="4144851" cy="2402025"/>
           </a:xfrm>
           <a:prstGeom prst="rect">
             <a:avLst/>
@@ -7873,34 +8730,9 @@
           </a:ln>
         </p:spPr>
       </p:pic>
-    </p:spTree>
-  </p:cSld>
-  <p:clrMapOvr>
-    <a:masterClrMapping/>
-  </p:clrMapOvr>
-</p:sld>
-</file>
-
-<file path=ppt/slides/slide12.xml><?xml version="1.0" encoding="utf-8"?>
-<p:sld xmlns:a="http://schemas.openxmlformats.org/drawingml/2006/main" xmlns:r="http://schemas.openxmlformats.org/officeDocument/2006/relationships" xmlns:mc="http://schemas.openxmlformats.org/markup-compatibility/2006" xmlns:mv="urn:schemas-microsoft-com:mac:vml" xmlns:p="http://schemas.openxmlformats.org/presentationml/2006/main" xmlns:c="http://schemas.openxmlformats.org/drawingml/2006/chart" xmlns:dgm="http://schemas.openxmlformats.org/drawingml/2006/diagram" xmlns:o="urn:schemas-microsoft-com:office:office" xmlns:v="urn:schemas-microsoft-com:vml" xmlns:pvml="urn:schemas-microsoft-com:office:powerpoint" xmlns:com="http://schemas.openxmlformats.org/drawingml/2006/compatibility" xmlns:p14="http://schemas.microsoft.com/office/powerpoint/2010/main" xmlns:p15="http://schemas.microsoft.com/office/powerpoint/2012/main">
-  <p:cSld>
-    <p:spTree>
-      <p:nvGrpSpPr>
-        <p:cNvPr id="154" name="Shape 154"/>
-        <p:cNvGrpSpPr/>
-        <p:nvPr/>
-      </p:nvGrpSpPr>
-      <p:grpSpPr>
-        <a:xfrm>
-          <a:off x="0" y="0"/>
-          <a:ext cx="0" cy="0"/>
-          <a:chOff x="0" y="0"/>
-          <a:chExt cx="0" cy="0"/>
-        </a:xfrm>
-      </p:grpSpPr>
       <p:sp>
         <p:nvSpPr>
-          <p:cNvPr id="155" name="Google Shape;155;p24"/>
+          <p:cNvPr id="162" name="Google Shape;162;p24"/>
           <p:cNvSpPr txBox="1"/>
           <p:nvPr>
             <p:ph type="title"/>
@@ -7938,95 +8770,6 @@
           </a:p>
         </p:txBody>
       </p:sp>
-      <p:sp>
-        <p:nvSpPr>
-          <p:cNvPr id="156" name="Google Shape;156;p24"/>
-          <p:cNvSpPr txBox="1"/>
-          <p:nvPr>
-            <p:ph idx="1" type="body"/>
-          </p:nvPr>
-        </p:nvSpPr>
-        <p:spPr>
-          <a:xfrm>
-            <a:off x="311700" y="1022851"/>
-            <a:ext cx="4260300" cy="3946500"/>
-          </a:xfrm>
-          <a:prstGeom prst="rect">
-            <a:avLst/>
-          </a:prstGeom>
-        </p:spPr>
-        <p:txBody>
-          <a:bodyPr anchorCtr="0" anchor="t" bIns="91425" lIns="91425" spcFirstLastPara="1" rIns="91425" wrap="square" tIns="91425">
-            <a:noAutofit/>
-          </a:bodyPr>
-          <a:lstStyle/>
-          <a:p>
-            <a:pPr indent="0" lvl="0" marL="0" rtl="0">
-              <a:spcBef>
-                <a:spcPts val="0"/>
-              </a:spcBef>
-              <a:spcAft>
-                <a:spcPts val="0"/>
-              </a:spcAft>
-              <a:buNone/>
-            </a:pPr>
-            <a:r>
-              <a:rPr lang="en"/>
-              <a:t>Logistic Regression</a:t>
-            </a:r>
-            <a:endParaRPr/>
-          </a:p>
-          <a:p>
-            <a:pPr indent="-342900" lvl="0" marL="457200" rtl="0">
-              <a:spcBef>
-                <a:spcPts val="1600"/>
-              </a:spcBef>
-              <a:spcAft>
-                <a:spcPts val="0"/>
-              </a:spcAft>
-              <a:buSzPts val="1800"/>
-              <a:buChar char="●"/>
-            </a:pPr>
-            <a:r>
-              <a:rPr lang="en"/>
-              <a:t>Sensitivity = 71%</a:t>
-            </a:r>
-            <a:endParaRPr sz="1800"/>
-          </a:p>
-          <a:p>
-            <a:pPr indent="0" lvl="0" marL="0" rtl="0">
-              <a:spcBef>
-                <a:spcPts val="1600"/>
-              </a:spcBef>
-              <a:spcAft>
-                <a:spcPts val="0"/>
-              </a:spcAft>
-              <a:buNone/>
-            </a:pPr>
-            <a:r>
-              <a:rPr lang="en"/>
-              <a:t>Support Vector Machine</a:t>
-            </a:r>
-            <a:endParaRPr/>
-          </a:p>
-          <a:p>
-            <a:pPr indent="-342900" lvl="0" marL="457200" rtl="0">
-              <a:spcBef>
-                <a:spcPts val="1600"/>
-              </a:spcBef>
-              <a:spcAft>
-                <a:spcPts val="0"/>
-              </a:spcAft>
-              <a:buSzPts val="1800"/>
-              <a:buChar char="●"/>
-            </a:pPr>
-            <a:r>
-              <a:t/>
-            </a:r>
-            <a:endParaRPr/>
-          </a:p>
-        </p:txBody>
-      </p:sp>
     </p:spTree>
   </p:cSld>
   <p:clrMapOvr>
@@ -8040,7 +8783,7 @@
   <p:cSld>
     <p:spTree>
       <p:nvGrpSpPr>
-        <p:cNvPr id="160" name="Shape 160"/>
+        <p:cNvPr id="166" name="Shape 166"/>
         <p:cNvGrpSpPr/>
         <p:nvPr/>
       </p:nvGrpSpPr>
@@ -8054,7 +8797,7 @@
       </p:grpSpPr>
       <p:sp>
         <p:nvSpPr>
-          <p:cNvPr id="161" name="Google Shape;161;p25"/>
+          <p:cNvPr id="167" name="Google Shape;167;p25"/>
           <p:cNvSpPr txBox="1"/>
           <p:nvPr>
             <p:ph type="title"/>
@@ -8084,7 +8827,7 @@
           </a:bodyPr>
           <a:lstStyle/>
           <a:p>
-            <a:pPr indent="0" lvl="0" marL="0">
+            <a:pPr indent="0" lvl="0" marL="0" rtl="0">
               <a:spcBef>
                 <a:spcPts val="0"/>
               </a:spcBef>
@@ -8103,7 +8846,7 @@
       </p:sp>
       <p:sp>
         <p:nvSpPr>
-          <p:cNvPr id="162" name="Google Shape;162;p25"/>
+          <p:cNvPr id="168" name="Google Shape;168;p25"/>
           <p:cNvSpPr txBox="1"/>
           <p:nvPr>
             <p:ph idx="1" type="body"/>
@@ -8140,7 +8883,7 @@
             <a:endParaRPr/>
           </a:p>
           <a:p>
-            <a:pPr indent="0" lvl="0" marL="0">
+            <a:pPr indent="0" lvl="0" marL="0" rtl="0">
               <a:spcBef>
                 <a:spcPts val="1600"/>
               </a:spcBef>
@@ -8158,7 +8901,7 @@
       </p:sp>
       <p:graphicFrame>
         <p:nvGraphicFramePr>
-          <p:cNvPr id="163" name="Google Shape;163;p25"/>
+          <p:cNvPr id="169" name="Google Shape;169;p25"/>
           <p:cNvGraphicFramePr/>
           <p:nvPr/>
         </p:nvGraphicFramePr>
@@ -8171,7 +8914,7 @@
             <a:tbl>
               <a:tblPr>
                 <a:noFill/>
-                <a:tableStyleId>{650597F9-C1F8-4995-BB2D-763DEB8F87DE}</a:tableStyleId>
+                <a:tableStyleId>{18799A4C-0623-461E-9C5D-3281D615D499}</a:tableStyleId>
               </a:tblPr>
               <a:tblGrid>
                 <a:gridCol w="1151275"/>
@@ -8186,7 +8929,7 @@
                     </a:bodyPr>
                     <a:lstStyle/>
                     <a:p>
-                      <a:pPr indent="0" lvl="0" marL="0">
+                      <a:pPr indent="0" lvl="0" marL="0" rtl="0">
                         <a:spcBef>
                           <a:spcPts val="0"/>
                         </a:spcBef>
@@ -8211,7 +8954,7 @@
                     </a:bodyPr>
                     <a:lstStyle/>
                     <a:p>
-                      <a:pPr indent="0" lvl="0" marL="0">
+                      <a:pPr indent="0" lvl="0" marL="0" rtl="0">
                         <a:spcBef>
                           <a:spcPts val="0"/>
                         </a:spcBef>
@@ -8236,7 +8979,7 @@
                     </a:bodyPr>
                     <a:lstStyle/>
                     <a:p>
-                      <a:pPr indent="0" lvl="0" marL="0">
+                      <a:pPr indent="0" lvl="0" marL="0" rtl="0">
                         <a:spcBef>
                           <a:spcPts val="0"/>
                         </a:spcBef>
@@ -8263,7 +9006,7 @@
                     </a:bodyPr>
                     <a:lstStyle/>
                     <a:p>
-                      <a:pPr indent="0" lvl="0" marL="0">
+                      <a:pPr indent="0" lvl="0" marL="0" rtl="0">
                         <a:spcBef>
                           <a:spcPts val="0"/>
                         </a:spcBef>
@@ -8288,7 +9031,7 @@
                     </a:bodyPr>
                     <a:lstStyle/>
                     <a:p>
-                      <a:pPr indent="0" lvl="0" marL="0">
+                      <a:pPr indent="0" lvl="0" marL="0" rtl="0">
                         <a:spcBef>
                           <a:spcPts val="0"/>
                         </a:spcBef>
@@ -8313,7 +9056,7 @@
                     </a:bodyPr>
                     <a:lstStyle/>
                     <a:p>
-                      <a:pPr indent="0" lvl="0" marL="0">
+                      <a:pPr indent="0" lvl="0" marL="0" rtl="0">
                         <a:spcBef>
                           <a:spcPts val="0"/>
                         </a:spcBef>
@@ -8340,7 +9083,7 @@
                     </a:bodyPr>
                     <a:lstStyle/>
                     <a:p>
-                      <a:pPr indent="0" lvl="0" marL="0">
+                      <a:pPr indent="0" lvl="0" marL="0" rtl="0">
                         <a:spcBef>
                           <a:spcPts val="0"/>
                         </a:spcBef>
@@ -8365,7 +9108,7 @@
                     </a:bodyPr>
                     <a:lstStyle/>
                     <a:p>
-                      <a:pPr indent="0" lvl="0" marL="0">
+                      <a:pPr indent="0" lvl="0" marL="0" rtl="0">
                         <a:spcBef>
                           <a:spcPts val="0"/>
                         </a:spcBef>
@@ -8390,7 +9133,7 @@
                     </a:bodyPr>
                     <a:lstStyle/>
                     <a:p>
-                      <a:pPr indent="0" lvl="0" marL="0">
+                      <a:pPr indent="0" lvl="0" marL="0" rtl="0">
                         <a:spcBef>
                           <a:spcPts val="0"/>
                         </a:spcBef>
@@ -8415,7 +9158,7 @@
       </p:graphicFrame>
       <p:sp>
         <p:nvSpPr>
-          <p:cNvPr id="164" name="Google Shape;164;p25"/>
+          <p:cNvPr id="170" name="Google Shape;170;p25"/>
           <p:cNvSpPr txBox="1"/>
           <p:nvPr>
             <p:ph idx="1" type="body"/>
@@ -8447,11 +9190,7 @@
             </a:pPr>
             <a:r>
               <a:rPr lang="en"/>
-              <a:t>K-Nearest Neighbor</a:t>
-            </a:r>
-            <a:r>
-              <a:rPr lang="en"/>
-              <a:t> best model accuracy:           </a:t>
+              <a:t>K-Nearest Neighbor best model accuracy:           </a:t>
             </a:r>
             <a:endParaRPr/>
           </a:p>
@@ -8474,7 +9213,7 @@
       </p:sp>
       <p:graphicFrame>
         <p:nvGraphicFramePr>
-          <p:cNvPr id="165" name="Google Shape;165;p25"/>
+          <p:cNvPr id="171" name="Google Shape;171;p25"/>
           <p:cNvGraphicFramePr/>
           <p:nvPr/>
         </p:nvGraphicFramePr>
@@ -8487,7 +9226,7 @@
             <a:tbl>
               <a:tblPr>
                 <a:noFill/>
-                <a:tableStyleId>{650597F9-C1F8-4995-BB2D-763DEB8F87DE}</a:tableStyleId>
+                <a:tableStyleId>{18799A4C-0623-461E-9C5D-3281D615D499}</a:tableStyleId>
               </a:tblPr>
               <a:tblGrid>
                 <a:gridCol w="1151275"/>
@@ -8731,7 +9470,7 @@
       </p:graphicFrame>
       <p:sp>
         <p:nvSpPr>
-          <p:cNvPr id="166" name="Google Shape;166;p25"/>
+          <p:cNvPr id="172" name="Google Shape;172;p25"/>
           <p:cNvSpPr txBox="1"/>
           <p:nvPr>
             <p:ph idx="1" type="body"/>
@@ -8763,11 +9502,7 @@
             </a:pPr>
             <a:r>
               <a:rPr lang="en"/>
-              <a:t>72.3%</a:t>
-            </a:r>
-            <a:r>
-              <a:rPr lang="en"/>
-              <a:t>          </a:t>
+              <a:t>72.3%          </a:t>
             </a:r>
             <a:endParaRPr/>
           </a:p>
@@ -8790,7 +9525,7 @@
       </p:sp>
       <p:sp>
         <p:nvSpPr>
-          <p:cNvPr id="167" name="Google Shape;167;p25"/>
+          <p:cNvPr id="173" name="Google Shape;173;p25"/>
           <p:cNvSpPr txBox="1"/>
           <p:nvPr>
             <p:ph idx="1" type="body"/>
@@ -8828,6 +9563,1329 @@
           </a:p>
         </p:txBody>
       </p:sp>
+    </p:spTree>
+  </p:cSld>
+  <p:clrMapOvr>
+    <a:masterClrMapping/>
+  </p:clrMapOvr>
+</p:sld>
+</file>
+
+<file path=ppt/slides/slide14.xml><?xml version="1.0" encoding="utf-8"?>
+<p:sld xmlns:a="http://schemas.openxmlformats.org/drawingml/2006/main" xmlns:r="http://schemas.openxmlformats.org/officeDocument/2006/relationships" xmlns:mc="http://schemas.openxmlformats.org/markup-compatibility/2006" xmlns:mv="urn:schemas-microsoft-com:mac:vml" xmlns:p="http://schemas.openxmlformats.org/presentationml/2006/main" xmlns:c="http://schemas.openxmlformats.org/drawingml/2006/chart" xmlns:dgm="http://schemas.openxmlformats.org/drawingml/2006/diagram" xmlns:o="urn:schemas-microsoft-com:office:office" xmlns:v="urn:schemas-microsoft-com:vml" xmlns:pvml="urn:schemas-microsoft-com:office:powerpoint" xmlns:com="http://schemas.openxmlformats.org/drawingml/2006/compatibility" xmlns:p14="http://schemas.microsoft.com/office/powerpoint/2010/main" xmlns:p15="http://schemas.microsoft.com/office/powerpoint/2012/main">
+  <p:cSld>
+    <p:spTree>
+      <p:nvGrpSpPr>
+        <p:cNvPr id="177" name="Shape 177"/>
+        <p:cNvGrpSpPr/>
+        <p:nvPr/>
+      </p:nvGrpSpPr>
+      <p:grpSpPr>
+        <a:xfrm>
+          <a:off x="0" y="0"/>
+          <a:ext cx="0" cy="0"/>
+          <a:chOff x="0" y="0"/>
+          <a:chExt cx="0" cy="0"/>
+        </a:xfrm>
+      </p:grpSpPr>
+      <p:sp>
+        <p:nvSpPr>
+          <p:cNvPr id="178" name="Google Shape;178;p26"/>
+          <p:cNvSpPr txBox="1"/>
+          <p:nvPr>
+            <p:ph type="title"/>
+          </p:nvPr>
+        </p:nvSpPr>
+        <p:spPr>
+          <a:xfrm>
+            <a:off x="311700" y="445025"/>
+            <a:ext cx="8520600" cy="707400"/>
+          </a:xfrm>
+          <a:prstGeom prst="rect">
+            <a:avLst/>
+          </a:prstGeom>
+          <a:ln cap="flat" cmpd="sng" w="9525">
+            <a:solidFill>
+              <a:schemeClr val="lt1"/>
+            </a:solidFill>
+            <a:prstDash val="solid"/>
+            <a:round/>
+            <a:headEnd len="sm" w="sm" type="none"/>
+            <a:tailEnd len="sm" w="sm" type="none"/>
+          </a:ln>
+        </p:spPr>
+        <p:txBody>
+          <a:bodyPr anchorCtr="0" anchor="t" bIns="91425" lIns="91425" spcFirstLastPara="1" rIns="91425" wrap="square" tIns="91425">
+            <a:noAutofit/>
+          </a:bodyPr>
+          <a:lstStyle/>
+          <a:p>
+            <a:pPr indent="0" lvl="0" marL="0" rtl="0">
+              <a:spcBef>
+                <a:spcPts val="0"/>
+              </a:spcBef>
+              <a:spcAft>
+                <a:spcPts val="0"/>
+              </a:spcAft>
+              <a:buNone/>
+            </a:pPr>
+            <a:r>
+              <a:rPr lang="en"/>
+              <a:t>Accuracy forecasting continued</a:t>
+            </a:r>
+            <a:endParaRPr/>
+          </a:p>
+        </p:txBody>
+      </p:sp>
+      <p:sp>
+        <p:nvSpPr>
+          <p:cNvPr id="179" name="Google Shape;179;p26"/>
+          <p:cNvSpPr txBox="1"/>
+          <p:nvPr>
+            <p:ph idx="1" type="body"/>
+          </p:nvPr>
+        </p:nvSpPr>
+        <p:spPr>
+          <a:xfrm>
+            <a:off x="711250" y="1266325"/>
+            <a:ext cx="4746600" cy="598200"/>
+          </a:xfrm>
+          <a:prstGeom prst="rect">
+            <a:avLst/>
+          </a:prstGeom>
+        </p:spPr>
+        <p:txBody>
+          <a:bodyPr anchorCtr="0" anchor="t" bIns="91425" lIns="91425" spcFirstLastPara="1" rIns="91425" wrap="square" tIns="91425">
+            <a:noAutofit/>
+          </a:bodyPr>
+          <a:lstStyle/>
+          <a:p>
+            <a:pPr indent="0" lvl="0" marL="0" rtl="0" algn="r">
+              <a:spcBef>
+                <a:spcPts val="0"/>
+              </a:spcBef>
+              <a:spcAft>
+                <a:spcPts val="0"/>
+              </a:spcAft>
+              <a:buNone/>
+            </a:pPr>
+            <a:r>
+              <a:rPr lang="en"/>
+              <a:t>LDA best model accuracy:           </a:t>
+            </a:r>
+            <a:endParaRPr/>
+          </a:p>
+          <a:p>
+            <a:pPr indent="0" lvl="0" marL="0" rtl="0" algn="r">
+              <a:spcBef>
+                <a:spcPts val="1600"/>
+              </a:spcBef>
+              <a:spcAft>
+                <a:spcPts val="1600"/>
+              </a:spcAft>
+              <a:buNone/>
+            </a:pPr>
+            <a:r>
+              <a:t/>
+            </a:r>
+            <a:endParaRPr/>
+          </a:p>
+        </p:txBody>
+      </p:sp>
+      <p:graphicFrame>
+        <p:nvGraphicFramePr>
+          <p:cNvPr id="180" name="Google Shape;180;p26"/>
+          <p:cNvGraphicFramePr/>
+          <p:nvPr/>
+        </p:nvGraphicFramePr>
+        <p:xfrm>
+          <a:off x="5522725" y="1266325"/>
+          <a:ext cx="3000000" cy="3000000"/>
+        </p:xfrm>
+        <a:graphic>
+          <a:graphicData uri="http://schemas.openxmlformats.org/drawingml/2006/table">
+            <a:tbl>
+              <a:tblPr>
+                <a:noFill/>
+                <a:tableStyleId>{18799A4C-0623-461E-9C5D-3281D615D499}</a:tableStyleId>
+              </a:tblPr>
+              <a:tblGrid>
+                <a:gridCol w="1151275"/>
+                <a:gridCol w="718300"/>
+                <a:gridCol w="639550"/>
+              </a:tblGrid>
+              <a:tr h="381000">
+                <a:tc>
+                  <a:txBody>
+                    <a:bodyPr>
+                      <a:noAutofit/>
+                    </a:bodyPr>
+                    <a:lstStyle/>
+                    <a:p>
+                      <a:pPr indent="0" lvl="0" marL="0" rtl="0">
+                        <a:spcBef>
+                          <a:spcPts val="0"/>
+                        </a:spcBef>
+                        <a:spcAft>
+                          <a:spcPts val="0"/>
+                        </a:spcAft>
+                        <a:buNone/>
+                      </a:pPr>
+                      <a:r>
+                        <a:rPr lang="en"/>
+                        <a:t>Perdiction</a:t>
+                      </a:r>
+                      <a:endParaRPr/>
+                    </a:p>
+                  </a:txBody>
+                  <a:tcPr marT="91425" marB="91425" marR="91425" marL="91425"/>
+                </a:tc>
+                <a:tc>
+                  <a:txBody>
+                    <a:bodyPr>
+                      <a:noAutofit/>
+                    </a:bodyPr>
+                    <a:lstStyle/>
+                    <a:p>
+                      <a:pPr indent="0" lvl="0" marL="0" rtl="0">
+                        <a:spcBef>
+                          <a:spcPts val="0"/>
+                        </a:spcBef>
+                        <a:spcAft>
+                          <a:spcPts val="0"/>
+                        </a:spcAft>
+                        <a:buNone/>
+                      </a:pPr>
+                      <a:r>
+                        <a:rPr lang="en"/>
+                        <a:t>High</a:t>
+                      </a:r>
+                      <a:endParaRPr/>
+                    </a:p>
+                  </a:txBody>
+                  <a:tcPr marT="91425" marB="91425" marR="91425" marL="91425"/>
+                </a:tc>
+                <a:tc>
+                  <a:txBody>
+                    <a:bodyPr>
+                      <a:noAutofit/>
+                    </a:bodyPr>
+                    <a:lstStyle/>
+                    <a:p>
+                      <a:pPr indent="0" lvl="0" marL="0" rtl="0">
+                        <a:spcBef>
+                          <a:spcPts val="0"/>
+                        </a:spcBef>
+                        <a:spcAft>
+                          <a:spcPts val="0"/>
+                        </a:spcAft>
+                        <a:buNone/>
+                      </a:pPr>
+                      <a:r>
+                        <a:rPr lang="en"/>
+                        <a:t>Low</a:t>
+                      </a:r>
+                      <a:endParaRPr/>
+                    </a:p>
+                  </a:txBody>
+                  <a:tcPr marT="91425" marB="91425" marR="91425" marL="91425"/>
+                </a:tc>
+              </a:tr>
+              <a:tr h="381000">
+                <a:tc>
+                  <a:txBody>
+                    <a:bodyPr>
+                      <a:noAutofit/>
+                    </a:bodyPr>
+                    <a:lstStyle/>
+                    <a:p>
+                      <a:pPr indent="0" lvl="0" marL="0" rtl="0">
+                        <a:spcBef>
+                          <a:spcPts val="0"/>
+                        </a:spcBef>
+                        <a:spcAft>
+                          <a:spcPts val="0"/>
+                        </a:spcAft>
+                        <a:buNone/>
+                      </a:pPr>
+                      <a:r>
+                        <a:rPr lang="en"/>
+                        <a:t>High</a:t>
+                      </a:r>
+                      <a:endParaRPr/>
+                    </a:p>
+                  </a:txBody>
+                  <a:tcPr marT="91425" marB="91425" marR="91425" marL="91425"/>
+                </a:tc>
+                <a:tc>
+                  <a:txBody>
+                    <a:bodyPr>
+                      <a:noAutofit/>
+                    </a:bodyPr>
+                    <a:lstStyle/>
+                    <a:p>
+                      <a:pPr indent="0" lvl="0" marL="0" rtl="0">
+                        <a:spcBef>
+                          <a:spcPts val="0"/>
+                        </a:spcBef>
+                        <a:spcAft>
+                          <a:spcPts val="0"/>
+                        </a:spcAft>
+                        <a:buNone/>
+                      </a:pPr>
+                      <a:r>
+                        <a:rPr lang="en"/>
+                        <a:t>1607</a:t>
+                      </a:r>
+                      <a:endParaRPr/>
+                    </a:p>
+                  </a:txBody>
+                  <a:tcPr marT="91425" marB="91425" marR="91425" marL="91425"/>
+                </a:tc>
+                <a:tc>
+                  <a:txBody>
+                    <a:bodyPr>
+                      <a:noAutofit/>
+                    </a:bodyPr>
+                    <a:lstStyle/>
+                    <a:p>
+                      <a:pPr indent="0" lvl="0" marL="0" rtl="0">
+                        <a:spcBef>
+                          <a:spcPts val="0"/>
+                        </a:spcBef>
+                        <a:spcAft>
+                          <a:spcPts val="0"/>
+                        </a:spcAft>
+                        <a:buNone/>
+                      </a:pPr>
+                      <a:r>
+                        <a:rPr lang="en"/>
+                        <a:t>846</a:t>
+                      </a:r>
+                      <a:endParaRPr/>
+                    </a:p>
+                  </a:txBody>
+                  <a:tcPr marT="91425" marB="91425" marR="91425" marL="91425"/>
+                </a:tc>
+              </a:tr>
+              <a:tr h="381000">
+                <a:tc>
+                  <a:txBody>
+                    <a:bodyPr>
+                      <a:noAutofit/>
+                    </a:bodyPr>
+                    <a:lstStyle/>
+                    <a:p>
+                      <a:pPr indent="0" lvl="0" marL="0" rtl="0">
+                        <a:spcBef>
+                          <a:spcPts val="0"/>
+                        </a:spcBef>
+                        <a:spcAft>
+                          <a:spcPts val="0"/>
+                        </a:spcAft>
+                        <a:buNone/>
+                      </a:pPr>
+                      <a:r>
+                        <a:rPr lang="en"/>
+                        <a:t>Low</a:t>
+                      </a:r>
+                      <a:endParaRPr/>
+                    </a:p>
+                  </a:txBody>
+                  <a:tcPr marT="91425" marB="91425" marR="91425" marL="91425"/>
+                </a:tc>
+                <a:tc>
+                  <a:txBody>
+                    <a:bodyPr>
+                      <a:noAutofit/>
+                    </a:bodyPr>
+                    <a:lstStyle/>
+                    <a:p>
+                      <a:pPr indent="0" lvl="0" marL="0" rtl="0">
+                        <a:spcBef>
+                          <a:spcPts val="0"/>
+                        </a:spcBef>
+                        <a:spcAft>
+                          <a:spcPts val="0"/>
+                        </a:spcAft>
+                        <a:buNone/>
+                      </a:pPr>
+                      <a:r>
+                        <a:rPr lang="en"/>
+                        <a:t>642</a:t>
+                      </a:r>
+                      <a:endParaRPr/>
+                    </a:p>
+                  </a:txBody>
+                  <a:tcPr marT="91425" marB="91425" marR="91425" marL="91425"/>
+                </a:tc>
+                <a:tc>
+                  <a:txBody>
+                    <a:bodyPr>
+                      <a:noAutofit/>
+                    </a:bodyPr>
+                    <a:lstStyle/>
+                    <a:p>
+                      <a:pPr indent="0" lvl="0" marL="0" rtl="0">
+                        <a:spcBef>
+                          <a:spcPts val="0"/>
+                        </a:spcBef>
+                        <a:spcAft>
+                          <a:spcPts val="0"/>
+                        </a:spcAft>
+                        <a:buNone/>
+                      </a:pPr>
+                      <a:r>
+                        <a:rPr lang="en"/>
+                        <a:t>1238</a:t>
+                      </a:r>
+                      <a:endParaRPr/>
+                    </a:p>
+                  </a:txBody>
+                  <a:tcPr marT="91425" marB="91425" marR="91425" marL="91425"/>
+                </a:tc>
+              </a:tr>
+            </a:tbl>
+          </a:graphicData>
+        </a:graphic>
+      </p:graphicFrame>
+      <p:sp>
+        <p:nvSpPr>
+          <p:cNvPr id="181" name="Google Shape;181;p26"/>
+          <p:cNvSpPr txBox="1"/>
+          <p:nvPr>
+            <p:ph idx="1" type="body"/>
+          </p:nvPr>
+        </p:nvSpPr>
+        <p:spPr>
+          <a:xfrm>
+            <a:off x="791150" y="2935700"/>
+            <a:ext cx="4666800" cy="598200"/>
+          </a:xfrm>
+          <a:prstGeom prst="rect">
+            <a:avLst/>
+          </a:prstGeom>
+        </p:spPr>
+        <p:txBody>
+          <a:bodyPr anchorCtr="0" anchor="t" bIns="91425" lIns="91425" spcFirstLastPara="1" rIns="91425" wrap="square" tIns="91425">
+            <a:noAutofit/>
+          </a:bodyPr>
+          <a:lstStyle/>
+          <a:p>
+            <a:pPr indent="0" lvl="0" marL="0" rtl="0" algn="r">
+              <a:spcBef>
+                <a:spcPts val="0"/>
+              </a:spcBef>
+              <a:spcAft>
+                <a:spcPts val="0"/>
+              </a:spcAft>
+              <a:buNone/>
+            </a:pPr>
+            <a:r>
+              <a:rPr lang="en"/>
+              <a:t>Logistic Regression best model accuracy:           </a:t>
+            </a:r>
+            <a:endParaRPr/>
+          </a:p>
+          <a:p>
+            <a:pPr indent="0" lvl="0" marL="0" rtl="0">
+              <a:spcBef>
+                <a:spcPts val="1600"/>
+              </a:spcBef>
+              <a:spcAft>
+                <a:spcPts val="1600"/>
+              </a:spcAft>
+              <a:buNone/>
+            </a:pPr>
+            <a:r>
+              <a:t/>
+            </a:r>
+            <a:endParaRPr/>
+          </a:p>
+        </p:txBody>
+      </p:sp>
+      <p:graphicFrame>
+        <p:nvGraphicFramePr>
+          <p:cNvPr id="182" name="Google Shape;182;p26"/>
+          <p:cNvGraphicFramePr/>
+          <p:nvPr/>
+        </p:nvGraphicFramePr>
+        <p:xfrm>
+          <a:off x="5522725" y="2935700"/>
+          <a:ext cx="3000000" cy="3000000"/>
+        </p:xfrm>
+        <a:graphic>
+          <a:graphicData uri="http://schemas.openxmlformats.org/drawingml/2006/table">
+            <a:tbl>
+              <a:tblPr>
+                <a:noFill/>
+                <a:tableStyleId>{18799A4C-0623-461E-9C5D-3281D615D499}</a:tableStyleId>
+              </a:tblPr>
+              <a:tblGrid>
+                <a:gridCol w="1151275"/>
+                <a:gridCol w="718300"/>
+                <a:gridCol w="639550"/>
+              </a:tblGrid>
+              <a:tr h="381000">
+                <a:tc>
+                  <a:txBody>
+                    <a:bodyPr>
+                      <a:noAutofit/>
+                    </a:bodyPr>
+                    <a:lstStyle/>
+                    <a:p>
+                      <a:pPr indent="0" lvl="0" marL="0" rtl="0">
+                        <a:spcBef>
+                          <a:spcPts val="0"/>
+                        </a:spcBef>
+                        <a:spcAft>
+                          <a:spcPts val="0"/>
+                        </a:spcAft>
+                        <a:buNone/>
+                      </a:pPr>
+                      <a:r>
+                        <a:rPr lang="en"/>
+                        <a:t>Perdiction</a:t>
+                      </a:r>
+                      <a:endParaRPr/>
+                    </a:p>
+                  </a:txBody>
+                  <a:tcPr marT="91425" marB="91425" marR="91425" marL="91425"/>
+                </a:tc>
+                <a:tc>
+                  <a:txBody>
+                    <a:bodyPr>
+                      <a:noAutofit/>
+                    </a:bodyPr>
+                    <a:lstStyle/>
+                    <a:p>
+                      <a:pPr indent="0" lvl="0" marL="0" rtl="0">
+                        <a:spcBef>
+                          <a:spcPts val="0"/>
+                        </a:spcBef>
+                        <a:spcAft>
+                          <a:spcPts val="0"/>
+                        </a:spcAft>
+                        <a:buNone/>
+                      </a:pPr>
+                      <a:r>
+                        <a:rPr lang="en"/>
+                        <a:t>High</a:t>
+                      </a:r>
+                      <a:endParaRPr/>
+                    </a:p>
+                  </a:txBody>
+                  <a:tcPr marT="91425" marB="91425" marR="91425" marL="91425"/>
+                </a:tc>
+                <a:tc>
+                  <a:txBody>
+                    <a:bodyPr>
+                      <a:noAutofit/>
+                    </a:bodyPr>
+                    <a:lstStyle/>
+                    <a:p>
+                      <a:pPr indent="0" lvl="0" marL="0" rtl="0">
+                        <a:spcBef>
+                          <a:spcPts val="0"/>
+                        </a:spcBef>
+                        <a:spcAft>
+                          <a:spcPts val="0"/>
+                        </a:spcAft>
+                        <a:buNone/>
+                      </a:pPr>
+                      <a:r>
+                        <a:rPr lang="en"/>
+                        <a:t>Low</a:t>
+                      </a:r>
+                      <a:endParaRPr/>
+                    </a:p>
+                  </a:txBody>
+                  <a:tcPr marT="91425" marB="91425" marR="91425" marL="91425"/>
+                </a:tc>
+              </a:tr>
+              <a:tr h="381000">
+                <a:tc>
+                  <a:txBody>
+                    <a:bodyPr>
+                      <a:noAutofit/>
+                    </a:bodyPr>
+                    <a:lstStyle/>
+                    <a:p>
+                      <a:pPr indent="0" lvl="0" marL="0" rtl="0">
+                        <a:spcBef>
+                          <a:spcPts val="0"/>
+                        </a:spcBef>
+                        <a:spcAft>
+                          <a:spcPts val="0"/>
+                        </a:spcAft>
+                        <a:buNone/>
+                      </a:pPr>
+                      <a:r>
+                        <a:rPr lang="en"/>
+                        <a:t>High</a:t>
+                      </a:r>
+                      <a:endParaRPr/>
+                    </a:p>
+                  </a:txBody>
+                  <a:tcPr marT="91425" marB="91425" marR="91425" marL="91425"/>
+                </a:tc>
+                <a:tc>
+                  <a:txBody>
+                    <a:bodyPr>
+                      <a:noAutofit/>
+                    </a:bodyPr>
+                    <a:lstStyle/>
+                    <a:p>
+                      <a:pPr indent="0" lvl="0" marL="0" rtl="0">
+                        <a:spcBef>
+                          <a:spcPts val="0"/>
+                        </a:spcBef>
+                        <a:spcAft>
+                          <a:spcPts val="0"/>
+                        </a:spcAft>
+                        <a:buNone/>
+                      </a:pPr>
+                      <a:r>
+                        <a:rPr lang="en"/>
+                        <a:t>1544</a:t>
+                      </a:r>
+                      <a:endParaRPr/>
+                    </a:p>
+                  </a:txBody>
+                  <a:tcPr marT="91425" marB="91425" marR="91425" marL="91425"/>
+                </a:tc>
+                <a:tc>
+                  <a:txBody>
+                    <a:bodyPr>
+                      <a:noAutofit/>
+                    </a:bodyPr>
+                    <a:lstStyle/>
+                    <a:p>
+                      <a:pPr indent="0" lvl="0" marL="0" rtl="0">
+                        <a:spcBef>
+                          <a:spcPts val="0"/>
+                        </a:spcBef>
+                        <a:spcAft>
+                          <a:spcPts val="0"/>
+                        </a:spcAft>
+                        <a:buNone/>
+                      </a:pPr>
+                      <a:r>
+                        <a:rPr lang="en"/>
+                        <a:t>761</a:t>
+                      </a:r>
+                      <a:endParaRPr/>
+                    </a:p>
+                  </a:txBody>
+                  <a:tcPr marT="91425" marB="91425" marR="91425" marL="91425"/>
+                </a:tc>
+              </a:tr>
+              <a:tr h="381000">
+                <a:tc>
+                  <a:txBody>
+                    <a:bodyPr>
+                      <a:noAutofit/>
+                    </a:bodyPr>
+                    <a:lstStyle/>
+                    <a:p>
+                      <a:pPr indent="0" lvl="0" marL="0" rtl="0">
+                        <a:spcBef>
+                          <a:spcPts val="0"/>
+                        </a:spcBef>
+                        <a:spcAft>
+                          <a:spcPts val="0"/>
+                        </a:spcAft>
+                        <a:buNone/>
+                      </a:pPr>
+                      <a:r>
+                        <a:rPr lang="en"/>
+                        <a:t>Low</a:t>
+                      </a:r>
+                      <a:endParaRPr/>
+                    </a:p>
+                  </a:txBody>
+                  <a:tcPr marT="91425" marB="91425" marR="91425" marL="91425"/>
+                </a:tc>
+                <a:tc>
+                  <a:txBody>
+                    <a:bodyPr>
+                      <a:noAutofit/>
+                    </a:bodyPr>
+                    <a:lstStyle/>
+                    <a:p>
+                      <a:pPr indent="0" lvl="0" marL="0" rtl="0">
+                        <a:spcBef>
+                          <a:spcPts val="0"/>
+                        </a:spcBef>
+                        <a:spcAft>
+                          <a:spcPts val="0"/>
+                        </a:spcAft>
+                        <a:buNone/>
+                      </a:pPr>
+                      <a:r>
+                        <a:rPr lang="en"/>
+                        <a:t>705</a:t>
+                      </a:r>
+                      <a:endParaRPr/>
+                    </a:p>
+                  </a:txBody>
+                  <a:tcPr marT="91425" marB="91425" marR="91425" marL="91425"/>
+                </a:tc>
+                <a:tc>
+                  <a:txBody>
+                    <a:bodyPr>
+                      <a:noAutofit/>
+                    </a:bodyPr>
+                    <a:lstStyle/>
+                    <a:p>
+                      <a:pPr indent="0" lvl="0" marL="0" rtl="0">
+                        <a:spcBef>
+                          <a:spcPts val="0"/>
+                        </a:spcBef>
+                        <a:spcAft>
+                          <a:spcPts val="0"/>
+                        </a:spcAft>
+                        <a:buNone/>
+                      </a:pPr>
+                      <a:r>
+                        <a:rPr lang="en"/>
+                        <a:t>1323</a:t>
+                      </a:r>
+                      <a:endParaRPr/>
+                    </a:p>
+                  </a:txBody>
+                  <a:tcPr marT="91425" marB="91425" marR="91425" marL="91425"/>
+                </a:tc>
+              </a:tr>
+            </a:tbl>
+          </a:graphicData>
+        </a:graphic>
+      </p:graphicFrame>
+      <p:sp>
+        <p:nvSpPr>
+          <p:cNvPr id="183" name="Google Shape;183;p26"/>
+          <p:cNvSpPr txBox="1"/>
+          <p:nvPr>
+            <p:ph idx="1" type="body"/>
+          </p:nvPr>
+        </p:nvSpPr>
+        <p:spPr>
+          <a:xfrm>
+            <a:off x="855925" y="3533900"/>
+            <a:ext cx="4666800" cy="598200"/>
+          </a:xfrm>
+          <a:prstGeom prst="rect">
+            <a:avLst/>
+          </a:prstGeom>
+        </p:spPr>
+        <p:txBody>
+          <a:bodyPr anchorCtr="0" anchor="t" bIns="91425" lIns="91425" spcFirstLastPara="1" rIns="91425" wrap="square" tIns="91425">
+            <a:noAutofit/>
+          </a:bodyPr>
+          <a:lstStyle/>
+          <a:p>
+            <a:pPr indent="0" lvl="0" marL="0" rtl="0" algn="ctr">
+              <a:spcBef>
+                <a:spcPts val="0"/>
+              </a:spcBef>
+              <a:spcAft>
+                <a:spcPts val="0"/>
+              </a:spcAft>
+              <a:buNone/>
+            </a:pPr>
+            <a:r>
+              <a:rPr lang="en"/>
+              <a:t>68.65%          </a:t>
+            </a:r>
+            <a:endParaRPr/>
+          </a:p>
+          <a:p>
+            <a:pPr indent="0" lvl="0" marL="0" rtl="0">
+              <a:spcBef>
+                <a:spcPts val="1600"/>
+              </a:spcBef>
+              <a:spcAft>
+                <a:spcPts val="1600"/>
+              </a:spcAft>
+              <a:buNone/>
+            </a:pPr>
+            <a:r>
+              <a:t/>
+            </a:r>
+            <a:endParaRPr/>
+          </a:p>
+        </p:txBody>
+      </p:sp>
+      <p:sp>
+        <p:nvSpPr>
+          <p:cNvPr id="184" name="Google Shape;184;p26"/>
+          <p:cNvSpPr txBox="1"/>
+          <p:nvPr>
+            <p:ph idx="1" type="body"/>
+          </p:nvPr>
+        </p:nvSpPr>
+        <p:spPr>
+          <a:xfrm>
+            <a:off x="855925" y="1864513"/>
+            <a:ext cx="4666800" cy="598200"/>
+          </a:xfrm>
+          <a:prstGeom prst="rect">
+            <a:avLst/>
+          </a:prstGeom>
+        </p:spPr>
+        <p:txBody>
+          <a:bodyPr anchorCtr="0" anchor="t" bIns="91425" lIns="91425" spcFirstLastPara="1" rIns="91425" wrap="square" tIns="91425">
+            <a:noAutofit/>
+          </a:bodyPr>
+          <a:lstStyle/>
+          <a:p>
+            <a:pPr indent="0" lvl="0" marL="0" rtl="0" algn="ctr">
+              <a:spcBef>
+                <a:spcPts val="0"/>
+              </a:spcBef>
+              <a:spcAft>
+                <a:spcPts val="1600"/>
+              </a:spcAft>
+              <a:buNone/>
+            </a:pPr>
+            <a:r>
+              <a:rPr lang="en"/>
+              <a:t>71.45%</a:t>
+            </a:r>
+            <a:endParaRPr/>
+          </a:p>
+        </p:txBody>
+      </p:sp>
+    </p:spTree>
+  </p:cSld>
+  <p:clrMapOvr>
+    <a:masterClrMapping/>
+  </p:clrMapOvr>
+</p:sld>
+</file>
+
+<file path=ppt/slides/slide15.xml><?xml version="1.0" encoding="utf-8"?>
+<p:sld xmlns:a="http://schemas.openxmlformats.org/drawingml/2006/main" xmlns:r="http://schemas.openxmlformats.org/officeDocument/2006/relationships" xmlns:mc="http://schemas.openxmlformats.org/markup-compatibility/2006" xmlns:mv="urn:schemas-microsoft-com:mac:vml" xmlns:p="http://schemas.openxmlformats.org/presentationml/2006/main" xmlns:c="http://schemas.openxmlformats.org/drawingml/2006/chart" xmlns:dgm="http://schemas.openxmlformats.org/drawingml/2006/diagram" xmlns:o="urn:schemas-microsoft-com:office:office" xmlns:v="urn:schemas-microsoft-com:vml" xmlns:pvml="urn:schemas-microsoft-com:office:powerpoint" xmlns:com="http://schemas.openxmlformats.org/drawingml/2006/compatibility" xmlns:p14="http://schemas.microsoft.com/office/powerpoint/2010/main" xmlns:p15="http://schemas.microsoft.com/office/powerpoint/2012/main">
+  <p:cSld>
+    <p:spTree>
+      <p:nvGrpSpPr>
+        <p:cNvPr id="188" name="Shape 188"/>
+        <p:cNvGrpSpPr/>
+        <p:nvPr/>
+      </p:nvGrpSpPr>
+      <p:grpSpPr>
+        <a:xfrm>
+          <a:off x="0" y="0"/>
+          <a:ext cx="0" cy="0"/>
+          <a:chOff x="0" y="0"/>
+          <a:chExt cx="0" cy="0"/>
+        </a:xfrm>
+      </p:grpSpPr>
+      <p:sp>
+        <p:nvSpPr>
+          <p:cNvPr id="189" name="Google Shape;189;p27"/>
+          <p:cNvSpPr txBox="1"/>
+          <p:nvPr>
+            <p:ph type="title"/>
+          </p:nvPr>
+        </p:nvSpPr>
+        <p:spPr>
+          <a:xfrm>
+            <a:off x="311700" y="445025"/>
+            <a:ext cx="8520600" cy="707400"/>
+          </a:xfrm>
+          <a:prstGeom prst="rect">
+            <a:avLst/>
+          </a:prstGeom>
+        </p:spPr>
+        <p:txBody>
+          <a:bodyPr anchorCtr="0" anchor="t" bIns="91425" lIns="91425" spcFirstLastPara="1" rIns="91425" wrap="square" tIns="91425">
+            <a:noAutofit/>
+          </a:bodyPr>
+          <a:lstStyle/>
+          <a:p>
+            <a:pPr indent="0" lvl="0" marL="0" rtl="0">
+              <a:spcBef>
+                <a:spcPts val="0"/>
+              </a:spcBef>
+              <a:spcAft>
+                <a:spcPts val="0"/>
+              </a:spcAft>
+              <a:buNone/>
+            </a:pPr>
+            <a:r>
+              <a:rPr lang="en"/>
+              <a:t>Final Model Choice</a:t>
+            </a:r>
+            <a:endParaRPr/>
+          </a:p>
+        </p:txBody>
+      </p:sp>
+      <p:graphicFrame>
+        <p:nvGraphicFramePr>
+          <p:cNvPr id="190" name="Google Shape;190;p27"/>
+          <p:cNvGraphicFramePr/>
+          <p:nvPr/>
+        </p:nvGraphicFramePr>
+        <p:xfrm>
+          <a:off x="311700" y="1541050"/>
+          <a:ext cx="3000000" cy="3000000"/>
+        </p:xfrm>
+        <a:graphic>
+          <a:graphicData uri="http://schemas.openxmlformats.org/drawingml/2006/table">
+            <a:tbl>
+              <a:tblPr>
+                <a:noFill/>
+                <a:tableStyleId>{18799A4C-0623-461E-9C5D-3281D615D499}</a:tableStyleId>
+              </a:tblPr>
+              <a:tblGrid>
+                <a:gridCol w="3619500"/>
+                <a:gridCol w="3619500"/>
+              </a:tblGrid>
+              <a:tr h="381000">
+                <a:tc>
+                  <a:txBody>
+                    <a:bodyPr>
+                      <a:noAutofit/>
+                    </a:bodyPr>
+                    <a:lstStyle/>
+                    <a:p>
+                      <a:pPr indent="0" lvl="0" marL="0" rtl="0">
+                        <a:spcBef>
+                          <a:spcPts val="0"/>
+                        </a:spcBef>
+                        <a:spcAft>
+                          <a:spcPts val="0"/>
+                        </a:spcAft>
+                        <a:buNone/>
+                      </a:pPr>
+                      <a:r>
+                        <a:rPr lang="en"/>
+                        <a:t>Model</a:t>
+                      </a:r>
+                      <a:endParaRPr/>
+                    </a:p>
+                  </a:txBody>
+                  <a:tcPr marT="91425" marB="91425" marR="91425" marL="91425"/>
+                </a:tc>
+                <a:tc>
+                  <a:txBody>
+                    <a:bodyPr>
+                      <a:noAutofit/>
+                    </a:bodyPr>
+                    <a:lstStyle/>
+                    <a:p>
+                      <a:pPr indent="0" lvl="0" marL="0" rtl="0">
+                        <a:spcBef>
+                          <a:spcPts val="0"/>
+                        </a:spcBef>
+                        <a:spcAft>
+                          <a:spcPts val="0"/>
+                        </a:spcAft>
+                        <a:buNone/>
+                      </a:pPr>
+                      <a:r>
+                        <a:rPr lang="en"/>
+                        <a:t>Predicted Accuracy</a:t>
+                      </a:r>
+                      <a:endParaRPr/>
+                    </a:p>
+                  </a:txBody>
+                  <a:tcPr marT="91425" marB="91425" marR="91425" marL="91425"/>
+                </a:tc>
+              </a:tr>
+              <a:tr h="381000">
+                <a:tc>
+                  <a:txBody>
+                    <a:bodyPr>
+                      <a:noAutofit/>
+                    </a:bodyPr>
+                    <a:lstStyle/>
+                    <a:p>
+                      <a:pPr indent="0" lvl="0" marL="0" rtl="0">
+                        <a:spcBef>
+                          <a:spcPts val="0"/>
+                        </a:spcBef>
+                        <a:spcAft>
+                          <a:spcPts val="0"/>
+                        </a:spcAft>
+                        <a:buNone/>
+                      </a:pPr>
+                      <a:r>
+                        <a:rPr lang="en"/>
+                        <a:t>Random Forest</a:t>
+                      </a:r>
+                      <a:endParaRPr/>
+                    </a:p>
+                  </a:txBody>
+                  <a:tcPr marT="91425" marB="91425" marR="91425" marL="91425"/>
+                </a:tc>
+                <a:tc>
+                  <a:txBody>
+                    <a:bodyPr>
+                      <a:noAutofit/>
+                    </a:bodyPr>
+                    <a:lstStyle/>
+                    <a:p>
+                      <a:pPr indent="0" lvl="0" marL="0" rtl="0">
+                        <a:spcBef>
+                          <a:spcPts val="0"/>
+                        </a:spcBef>
+                        <a:spcAft>
+                          <a:spcPts val="0"/>
+                        </a:spcAft>
+                        <a:buNone/>
+                      </a:pPr>
+                      <a:r>
+                        <a:rPr lang="en"/>
+                        <a:t>69.3</a:t>
+                      </a:r>
+                      <a:endParaRPr/>
+                    </a:p>
+                  </a:txBody>
+                  <a:tcPr marT="91425" marB="91425" marR="91425" marL="91425"/>
+                </a:tc>
+              </a:tr>
+              <a:tr h="381000">
+                <a:tc>
+                  <a:txBody>
+                    <a:bodyPr>
+                      <a:noAutofit/>
+                    </a:bodyPr>
+                    <a:lstStyle/>
+                    <a:p>
+                      <a:pPr indent="0" lvl="0" marL="0" rtl="0">
+                        <a:spcBef>
+                          <a:spcPts val="0"/>
+                        </a:spcBef>
+                        <a:spcAft>
+                          <a:spcPts val="0"/>
+                        </a:spcAft>
+                        <a:buNone/>
+                      </a:pPr>
+                      <a:r>
+                        <a:rPr lang="en"/>
+                        <a:t>K-Nearest Neighbor</a:t>
+                      </a:r>
+                      <a:endParaRPr/>
+                    </a:p>
+                  </a:txBody>
+                  <a:tcPr marT="91425" marB="91425" marR="91425" marL="91425"/>
+                </a:tc>
+                <a:tc>
+                  <a:txBody>
+                    <a:bodyPr>
+                      <a:noAutofit/>
+                    </a:bodyPr>
+                    <a:lstStyle/>
+                    <a:p>
+                      <a:pPr indent="0" lvl="0" marL="0" rtl="0">
+                        <a:spcBef>
+                          <a:spcPts val="0"/>
+                        </a:spcBef>
+                        <a:spcAft>
+                          <a:spcPts val="0"/>
+                        </a:spcAft>
+                        <a:buNone/>
+                      </a:pPr>
+                      <a:r>
+                        <a:rPr lang="en"/>
+                        <a:t>72.3</a:t>
+                      </a:r>
+                      <a:endParaRPr/>
+                    </a:p>
+                  </a:txBody>
+                  <a:tcPr marT="91425" marB="91425" marR="91425" marL="91425"/>
+                </a:tc>
+              </a:tr>
+              <a:tr h="381000">
+                <a:tc>
+                  <a:txBody>
+                    <a:bodyPr>
+                      <a:noAutofit/>
+                    </a:bodyPr>
+                    <a:lstStyle/>
+                    <a:p>
+                      <a:pPr indent="0" lvl="0" marL="0" rtl="0">
+                        <a:spcBef>
+                          <a:spcPts val="0"/>
+                        </a:spcBef>
+                        <a:spcAft>
+                          <a:spcPts val="0"/>
+                        </a:spcAft>
+                        <a:buNone/>
+                      </a:pPr>
+                      <a:r>
+                        <a:rPr lang="en"/>
+                        <a:t>LDA</a:t>
+                      </a:r>
+                      <a:endParaRPr/>
+                    </a:p>
+                  </a:txBody>
+                  <a:tcPr marT="91425" marB="91425" marR="91425" marL="91425"/>
+                </a:tc>
+                <a:tc>
+                  <a:txBody>
+                    <a:bodyPr>
+                      <a:noAutofit/>
+                    </a:bodyPr>
+                    <a:lstStyle/>
+                    <a:p>
+                      <a:pPr indent="0" lvl="0" marL="0" rtl="0">
+                        <a:spcBef>
+                          <a:spcPts val="0"/>
+                        </a:spcBef>
+                        <a:spcAft>
+                          <a:spcPts val="0"/>
+                        </a:spcAft>
+                        <a:buNone/>
+                      </a:pPr>
+                      <a:r>
+                        <a:rPr lang="en"/>
+                        <a:t>71.5</a:t>
+                      </a:r>
+                      <a:endParaRPr/>
+                    </a:p>
+                  </a:txBody>
+                  <a:tcPr marT="91425" marB="91425" marR="91425" marL="91425"/>
+                </a:tc>
+              </a:tr>
+              <a:tr h="381000">
+                <a:tc>
+                  <a:txBody>
+                    <a:bodyPr>
+                      <a:noAutofit/>
+                    </a:bodyPr>
+                    <a:lstStyle/>
+                    <a:p>
+                      <a:pPr indent="0" lvl="0" marL="0" rtl="0">
+                        <a:spcBef>
+                          <a:spcPts val="0"/>
+                        </a:spcBef>
+                        <a:spcAft>
+                          <a:spcPts val="0"/>
+                        </a:spcAft>
+                        <a:buNone/>
+                      </a:pPr>
+                      <a:r>
+                        <a:rPr lang="en"/>
+                        <a:t>Logistic Regression</a:t>
+                      </a:r>
+                      <a:endParaRPr/>
+                    </a:p>
+                  </a:txBody>
+                  <a:tcPr marT="91425" marB="91425" marR="91425" marL="91425"/>
+                </a:tc>
+                <a:tc>
+                  <a:txBody>
+                    <a:bodyPr>
+                      <a:noAutofit/>
+                    </a:bodyPr>
+                    <a:lstStyle/>
+                    <a:p>
+                      <a:pPr indent="0" lvl="0" marL="0" rtl="0">
+                        <a:spcBef>
+                          <a:spcPts val="0"/>
+                        </a:spcBef>
+                        <a:spcAft>
+                          <a:spcPts val="0"/>
+                        </a:spcAft>
+                        <a:buNone/>
+                      </a:pPr>
+                      <a:r>
+                        <a:rPr lang="en"/>
+                        <a:t>68.7</a:t>
+                      </a:r>
+                      <a:endParaRPr/>
+                    </a:p>
+                  </a:txBody>
+                  <a:tcPr marT="91425" marB="91425" marR="91425" marL="91425"/>
+                </a:tc>
+              </a:tr>
+            </a:tbl>
+          </a:graphicData>
+        </a:graphic>
+      </p:graphicFrame>
+    </p:spTree>
+  </p:cSld>
+  <p:clrMapOvr>
+    <a:masterClrMapping/>
+  </p:clrMapOvr>
+</p:sld>
+</file>
+
+<file path=ppt/slides/slide16.xml><?xml version="1.0" encoding="utf-8"?>
+<p:sld xmlns:a="http://schemas.openxmlformats.org/drawingml/2006/main" xmlns:r="http://schemas.openxmlformats.org/officeDocument/2006/relationships" xmlns:mc="http://schemas.openxmlformats.org/markup-compatibility/2006" xmlns:mv="urn:schemas-microsoft-com:mac:vml" xmlns:p="http://schemas.openxmlformats.org/presentationml/2006/main" xmlns:c="http://schemas.openxmlformats.org/drawingml/2006/chart" xmlns:dgm="http://schemas.openxmlformats.org/drawingml/2006/diagram" xmlns:o="urn:schemas-microsoft-com:office:office" xmlns:v="urn:schemas-microsoft-com:vml" xmlns:pvml="urn:schemas-microsoft-com:office:powerpoint" xmlns:com="http://schemas.openxmlformats.org/drawingml/2006/compatibility" xmlns:p14="http://schemas.microsoft.com/office/powerpoint/2010/main" xmlns:p15="http://schemas.microsoft.com/office/powerpoint/2012/main">
+  <p:cSld>
+    <p:spTree>
+      <p:nvGrpSpPr>
+        <p:cNvPr id="194" name="Shape 194"/>
+        <p:cNvGrpSpPr/>
+        <p:nvPr/>
+      </p:nvGrpSpPr>
+      <p:grpSpPr>
+        <a:xfrm>
+          <a:off x="0" y="0"/>
+          <a:ext cx="0" cy="0"/>
+          <a:chOff x="0" y="0"/>
+          <a:chExt cx="0" cy="0"/>
+        </a:xfrm>
+      </p:grpSpPr>
+      <p:sp>
+        <p:nvSpPr>
+          <p:cNvPr id="195" name="Google Shape;195;p28"/>
+          <p:cNvSpPr txBox="1"/>
+          <p:nvPr>
+            <p:ph type="title"/>
+          </p:nvPr>
+        </p:nvSpPr>
+        <p:spPr>
+          <a:xfrm>
+            <a:off x="311700" y="445025"/>
+            <a:ext cx="8520600" cy="707400"/>
+          </a:xfrm>
+          <a:prstGeom prst="rect">
+            <a:avLst/>
+          </a:prstGeom>
+        </p:spPr>
+        <p:txBody>
+          <a:bodyPr anchorCtr="0" anchor="t" bIns="91425" lIns="91425" spcFirstLastPara="1" rIns="91425" wrap="square" tIns="91425">
+            <a:noAutofit/>
+          </a:bodyPr>
+          <a:lstStyle/>
+          <a:p>
+            <a:pPr indent="0" lvl="0" marL="0" rtl="0">
+              <a:spcBef>
+                <a:spcPts val="0"/>
+              </a:spcBef>
+              <a:spcAft>
+                <a:spcPts val="0"/>
+              </a:spcAft>
+              <a:buNone/>
+            </a:pPr>
+            <a:r>
+              <a:rPr lang="en"/>
+              <a:t>Takeaways</a:t>
+            </a:r>
+            <a:endParaRPr/>
+          </a:p>
+        </p:txBody>
+      </p:sp>
+      <p:sp>
+        <p:nvSpPr>
+          <p:cNvPr id="196" name="Google Shape;196;p28"/>
+          <p:cNvSpPr txBox="1"/>
+          <p:nvPr>
+            <p:ph idx="1" type="body"/>
+          </p:nvPr>
+        </p:nvSpPr>
+        <p:spPr>
+          <a:xfrm>
+            <a:off x="311700" y="1266325"/>
+            <a:ext cx="8520600" cy="1605000"/>
+          </a:xfrm>
+          <a:prstGeom prst="rect">
+            <a:avLst/>
+          </a:prstGeom>
+        </p:spPr>
+        <p:txBody>
+          <a:bodyPr anchorCtr="0" anchor="t" bIns="91425" lIns="91425" spcFirstLastPara="1" rIns="91425" wrap="square" tIns="91425">
+            <a:noAutofit/>
+          </a:bodyPr>
+          <a:lstStyle/>
+          <a:p>
+            <a:pPr indent="0" lvl="0" marL="0" rtl="0">
+              <a:spcBef>
+                <a:spcPts val="0"/>
+              </a:spcBef>
+              <a:spcAft>
+                <a:spcPts val="0"/>
+              </a:spcAft>
+              <a:buNone/>
+            </a:pPr>
+            <a:r>
+              <a:rPr lang="en"/>
+              <a:t>Used more than just the user info to predict ratings</a:t>
+            </a:r>
+            <a:endParaRPr/>
+          </a:p>
+          <a:p>
+            <a:pPr indent="0" lvl="0" marL="0" rtl="0">
+              <a:spcBef>
+                <a:spcPts val="1600"/>
+              </a:spcBef>
+              <a:spcAft>
+                <a:spcPts val="0"/>
+              </a:spcAft>
+              <a:buNone/>
+            </a:pPr>
+            <a:r>
+              <a:rPr lang="en"/>
+              <a:t>When using such a large dataset, it's better to take a sample.</a:t>
+            </a:r>
+            <a:endParaRPr/>
+          </a:p>
+          <a:p>
+            <a:pPr indent="0" lvl="0" marL="0" rtl="0">
+              <a:spcBef>
+                <a:spcPts val="1600"/>
+              </a:spcBef>
+              <a:spcAft>
+                <a:spcPts val="0"/>
+              </a:spcAft>
+              <a:buNone/>
+            </a:pPr>
+            <a:r>
+              <a:rPr lang="en"/>
+              <a:t>Data cleaning is essential and will probably take most of your time and effort.</a:t>
+            </a:r>
+            <a:endParaRPr/>
+          </a:p>
+          <a:p>
+            <a:pPr indent="0" lvl="0" marL="0" rtl="0">
+              <a:spcBef>
+                <a:spcPts val="1600"/>
+              </a:spcBef>
+              <a:spcAft>
+                <a:spcPts val="1600"/>
+              </a:spcAft>
+              <a:buNone/>
+            </a:pPr>
+            <a:r>
+              <a:t/>
+            </a:r>
+            <a:endParaRPr/>
+          </a:p>
+        </p:txBody>
+      </p:sp>
+      <p:pic>
+        <p:nvPicPr>
+          <p:cNvPr id="197" name="Google Shape;197;p28"/>
+          <p:cNvPicPr preferRelativeResize="0"/>
+          <p:nvPr/>
+        </p:nvPicPr>
+        <p:blipFill>
+          <a:blip r:embed="rId3">
+            <a:alphaModFix/>
+          </a:blip>
+          <a:stretch>
+            <a:fillRect/>
+          </a:stretch>
+        </p:blipFill>
+        <p:spPr>
+          <a:xfrm>
+            <a:off x="1293038" y="2985225"/>
+            <a:ext cx="6557918" cy="1967375"/>
+          </a:xfrm>
+          <a:prstGeom prst="rect">
+            <a:avLst/>
+          </a:prstGeom>
+          <a:noFill/>
+          <a:ln>
+            <a:noFill/>
+          </a:ln>
+        </p:spPr>
+      </p:pic>
     </p:spTree>
   </p:cSld>
   <p:clrMapOvr>
@@ -8943,7 +11001,7 @@
             </a:pPr>
             <a:r>
               <a:rPr lang="en"/>
-              <a:t>Tyler and I have kids that both like Anime. </a:t>
+              <a:t>We both have kids that like Anime. </a:t>
             </a:r>
             <a:endParaRPr/>
           </a:p>
@@ -9202,8 +11260,8 @@
         </p:nvSpPr>
         <p:spPr>
           <a:xfrm>
-            <a:off x="311700" y="1098850"/>
-            <a:ext cx="8520600" cy="3519300"/>
+            <a:off x="155850" y="995575"/>
+            <a:ext cx="7393500" cy="3519300"/>
           </a:xfrm>
           <a:prstGeom prst="rect">
             <a:avLst/>
@@ -9247,7 +11305,7 @@
             </a:r>
             <a:r>
               <a:rPr lang="en"/>
-              <a:t>ontains informations about Anime and Otaku who watch it</a:t>
+              <a:t>ontains information about Anime and Otaku who watch it</a:t>
             </a:r>
             <a:endParaRPr/>
           </a:p>
@@ -9362,6 +11420,76 @@
             </a:pPr>
             <a:r>
               <a:t/>
+            </a:r>
+            <a:endParaRPr/>
+          </a:p>
+        </p:txBody>
+      </p:sp>
+      <p:pic>
+        <p:nvPicPr>
+          <p:cNvPr id="83" name="Google Shape;83;p15"/>
+          <p:cNvPicPr preferRelativeResize="0"/>
+          <p:nvPr/>
+        </p:nvPicPr>
+        <p:blipFill>
+          <a:blip r:embed="rId3">
+            <a:alphaModFix/>
+          </a:blip>
+          <a:stretch>
+            <a:fillRect/>
+          </a:stretch>
+        </p:blipFill>
+        <p:spPr>
+          <a:xfrm>
+            <a:off x="7549505" y="1378179"/>
+            <a:ext cx="1594500" cy="3136700"/>
+          </a:xfrm>
+          <a:prstGeom prst="rect">
+            <a:avLst/>
+          </a:prstGeom>
+          <a:noFill/>
+          <a:ln>
+            <a:noFill/>
+          </a:ln>
+        </p:spPr>
+      </p:pic>
+      <p:sp>
+        <p:nvSpPr>
+          <p:cNvPr id="84" name="Google Shape;84;p15"/>
+          <p:cNvSpPr txBox="1"/>
+          <p:nvPr/>
+        </p:nvSpPr>
+        <p:spPr>
+          <a:xfrm flipH="1" rot="-960">
+            <a:off x="7757700" y="837213"/>
+            <a:ext cx="1074600" cy="707100"/>
+          </a:xfrm>
+          <a:prstGeom prst="rect">
+            <a:avLst/>
+          </a:prstGeom>
+          <a:noFill/>
+          <a:ln>
+            <a:noFill/>
+          </a:ln>
+        </p:spPr>
+        <p:txBody>
+          <a:bodyPr anchorCtr="0" anchor="ctr" bIns="91425" lIns="91425" spcFirstLastPara="1" rIns="91425" wrap="square" tIns="91425">
+            <a:noAutofit/>
+          </a:bodyPr>
+          <a:lstStyle/>
+          <a:p>
+            <a:pPr indent="0" lvl="0" marL="0" algn="ctr">
+              <a:spcBef>
+                <a:spcPts val="0"/>
+              </a:spcBef>
+              <a:spcAft>
+                <a:spcPts val="0"/>
+              </a:spcAft>
+              <a:buNone/>
+            </a:pPr>
+            <a:r>
+              <a:rPr lang="en"/>
+              <a:t>Otaku</a:t>
             </a:r>
             <a:endParaRPr/>
           </a:p>
@@ -9380,7 +11508,7 @@
   <p:cSld>
     <p:spTree>
       <p:nvGrpSpPr>
-        <p:cNvPr id="86" name="Shape 86"/>
+        <p:cNvPr id="88" name="Shape 88"/>
         <p:cNvGrpSpPr/>
         <p:nvPr/>
       </p:nvGrpSpPr>
@@ -9394,7 +11522,7 @@
       </p:grpSpPr>
       <p:sp>
         <p:nvSpPr>
-          <p:cNvPr id="87" name="Google Shape;87;p16"/>
+          <p:cNvPr id="89" name="Google Shape;89;p16"/>
           <p:cNvSpPr txBox="1"/>
           <p:nvPr>
             <p:ph type="title"/>
@@ -9434,7 +11562,7 @@
       </p:sp>
       <p:sp>
         <p:nvSpPr>
-          <p:cNvPr id="88" name="Google Shape;88;p16"/>
+          <p:cNvPr id="90" name="Google Shape;90;p16"/>
           <p:cNvSpPr txBox="1"/>
           <p:nvPr>
             <p:ph idx="1" type="body"/>
@@ -9625,7 +11753,7 @@
       </p:sp>
       <p:pic>
         <p:nvPicPr>
-          <p:cNvPr id="89" name="Google Shape;89;p16"/>
+          <p:cNvPr id="91" name="Google Shape;91;p16"/>
           <p:cNvPicPr preferRelativeResize="0"/>
           <p:nvPr/>
         </p:nvPicPr>
@@ -9653,7 +11781,7 @@
       </p:pic>
       <p:sp>
         <p:nvSpPr>
-          <p:cNvPr id="90" name="Google Shape;90;p16"/>
+          <p:cNvPr id="92" name="Google Shape;92;p16"/>
           <p:cNvSpPr txBox="1"/>
           <p:nvPr/>
         </p:nvSpPr>
@@ -9711,7 +11839,7 @@
       </p:sp>
       <p:sp>
         <p:nvSpPr>
-          <p:cNvPr id="91" name="Google Shape;91;p16"/>
+          <p:cNvPr id="93" name="Google Shape;93;p16"/>
           <p:cNvSpPr txBox="1"/>
           <p:nvPr/>
         </p:nvSpPr>
@@ -9780,7 +11908,7 @@
   <p:cSld>
     <p:spTree>
       <p:nvGrpSpPr>
-        <p:cNvPr id="95" name="Shape 95"/>
+        <p:cNvPr id="97" name="Shape 97"/>
         <p:cNvGrpSpPr/>
         <p:nvPr/>
       </p:nvGrpSpPr>
@@ -9794,7 +11922,7 @@
       </p:grpSpPr>
       <p:sp>
         <p:nvSpPr>
-          <p:cNvPr id="96" name="Google Shape;96;p17"/>
+          <p:cNvPr id="98" name="Google Shape;98;p17"/>
           <p:cNvSpPr txBox="1"/>
           <p:nvPr>
             <p:ph type="title"/>
@@ -9834,7 +11962,7 @@
       </p:sp>
       <p:sp>
         <p:nvSpPr>
-          <p:cNvPr id="97" name="Google Shape;97;p17"/>
+          <p:cNvPr id="99" name="Google Shape;99;p17"/>
           <p:cNvSpPr txBox="1"/>
           <p:nvPr>
             <p:ph idx="1" type="body"/>
@@ -9992,7 +12120,7 @@
       </p:sp>
       <p:pic>
         <p:nvPicPr>
-          <p:cNvPr id="98" name="Google Shape;98;p17"/>
+          <p:cNvPr id="100" name="Google Shape;100;p17"/>
           <p:cNvPicPr preferRelativeResize="0"/>
           <p:nvPr/>
         </p:nvPicPr>
@@ -10020,7 +12148,7 @@
       </p:pic>
       <p:sp>
         <p:nvSpPr>
-          <p:cNvPr id="99" name="Google Shape;99;p17"/>
+          <p:cNvPr id="101" name="Google Shape;101;p17"/>
           <p:cNvSpPr txBox="1"/>
           <p:nvPr/>
         </p:nvSpPr>
@@ -10078,7 +12206,7 @@
       </p:sp>
       <p:sp>
         <p:nvSpPr>
-          <p:cNvPr id="100" name="Google Shape;100;p17"/>
+          <p:cNvPr id="102" name="Google Shape;102;p17"/>
           <p:cNvSpPr txBox="1"/>
           <p:nvPr/>
         </p:nvSpPr>
@@ -10147,7 +12275,7 @@
   <p:cSld>
     <p:spTree>
       <p:nvGrpSpPr>
-        <p:cNvPr id="104" name="Shape 104"/>
+        <p:cNvPr id="106" name="Shape 106"/>
         <p:cNvGrpSpPr/>
         <p:nvPr/>
       </p:nvGrpSpPr>
@@ -10161,7 +12289,7 @@
       </p:grpSpPr>
       <p:sp>
         <p:nvSpPr>
-          <p:cNvPr id="105" name="Google Shape;105;p18"/>
+          <p:cNvPr id="107" name="Google Shape;107;p18"/>
           <p:cNvSpPr txBox="1"/>
           <p:nvPr>
             <p:ph type="title"/>
@@ -10201,7 +12329,7 @@
       </p:sp>
       <p:sp>
         <p:nvSpPr>
-          <p:cNvPr id="106" name="Google Shape;106;p18"/>
+          <p:cNvPr id="108" name="Google Shape;108;p18"/>
           <p:cNvSpPr txBox="1"/>
           <p:nvPr>
             <p:ph idx="1" type="body"/>
@@ -10366,7 +12494,7 @@
       </p:sp>
       <p:pic>
         <p:nvPicPr>
-          <p:cNvPr id="107" name="Google Shape;107;p18"/>
+          <p:cNvPr id="109" name="Google Shape;109;p18"/>
           <p:cNvPicPr preferRelativeResize="0"/>
           <p:nvPr/>
         </p:nvPicPr>
@@ -10394,7 +12522,7 @@
       </p:pic>
       <p:sp>
         <p:nvSpPr>
-          <p:cNvPr id="108" name="Google Shape;108;p18"/>
+          <p:cNvPr id="110" name="Google Shape;110;p18"/>
           <p:cNvSpPr txBox="1"/>
           <p:nvPr/>
         </p:nvSpPr>
@@ -10452,7 +12580,7 @@
       </p:sp>
       <p:sp>
         <p:nvSpPr>
-          <p:cNvPr id="109" name="Google Shape;109;p18"/>
+          <p:cNvPr id="111" name="Google Shape;111;p18"/>
           <p:cNvSpPr txBox="1"/>
           <p:nvPr/>
         </p:nvSpPr>
@@ -10521,7 +12649,7 @@
   <p:cSld>
     <p:spTree>
       <p:nvGrpSpPr>
-        <p:cNvPr id="113" name="Shape 113"/>
+        <p:cNvPr id="115" name="Shape 115"/>
         <p:cNvGrpSpPr/>
         <p:nvPr/>
       </p:nvGrpSpPr>
@@ -10535,7 +12663,7 @@
       </p:grpSpPr>
       <p:sp>
         <p:nvSpPr>
-          <p:cNvPr id="114" name="Google Shape;114;p19"/>
+          <p:cNvPr id="116" name="Google Shape;116;p19"/>
           <p:cNvSpPr txBox="1"/>
           <p:nvPr>
             <p:ph type="title"/>
@@ -10556,7 +12684,7 @@
           </a:bodyPr>
           <a:lstStyle/>
           <a:p>
-            <a:pPr indent="0" lvl="0" marL="0">
+            <a:pPr indent="0" lvl="0" marL="0" rtl="0">
               <a:spcBef>
                 <a:spcPts val="0"/>
               </a:spcBef>
@@ -10567,133 +12695,7 @@
             </a:pPr>
             <a:r>
               <a:rPr lang="en"/>
-              <a:t>Data Exploration and </a:t>
-            </a:r>
-            <a:r>
-              <a:rPr lang="en"/>
-              <a:t>Preprocessing</a:t>
-            </a:r>
-            <a:endParaRPr/>
-          </a:p>
-        </p:txBody>
-      </p:sp>
-      <p:sp>
-        <p:nvSpPr>
-          <p:cNvPr id="115" name="Google Shape;115;p19"/>
-          <p:cNvSpPr txBox="1"/>
-          <p:nvPr>
-            <p:ph idx="1" type="body"/>
-          </p:nvPr>
-        </p:nvSpPr>
-        <p:spPr>
-          <a:xfrm>
-            <a:off x="311700" y="1266325"/>
-            <a:ext cx="8520600" cy="3302700"/>
-          </a:xfrm>
-          <a:prstGeom prst="rect">
-            <a:avLst/>
-          </a:prstGeom>
-        </p:spPr>
-        <p:txBody>
-          <a:bodyPr anchorCtr="0" anchor="t" bIns="91425" lIns="91425" spcFirstLastPara="1" rIns="91425" wrap="square" tIns="91425">
-            <a:noAutofit/>
-          </a:bodyPr>
-          <a:lstStyle/>
-          <a:p>
-            <a:pPr indent="0" lvl="0" marL="0" rtl="0">
-              <a:spcBef>
-                <a:spcPts val="0"/>
-              </a:spcBef>
-              <a:spcAft>
-                <a:spcPts val="0"/>
-              </a:spcAft>
-              <a:buNone/>
-            </a:pPr>
-            <a:r>
-              <a:rPr lang="en"/>
-              <a:t>Skewness?</a:t>
-            </a:r>
-            <a:endParaRPr/>
-          </a:p>
-          <a:p>
-            <a:pPr indent="0" lvl="0" marL="0" rtl="0">
-              <a:spcBef>
-                <a:spcPts val="1600"/>
-              </a:spcBef>
-              <a:spcAft>
-                <a:spcPts val="0"/>
-              </a:spcAft>
-              <a:buNone/>
-            </a:pPr>
-            <a:r>
-              <a:rPr lang="en"/>
-              <a:t>Near Zero Variance?</a:t>
-            </a:r>
-            <a:endParaRPr/>
-          </a:p>
-          <a:p>
-            <a:pPr indent="0" lvl="0" marL="0" rtl="0">
-              <a:spcBef>
-                <a:spcPts val="1600"/>
-              </a:spcBef>
-              <a:spcAft>
-                <a:spcPts val="0"/>
-              </a:spcAft>
-              <a:buNone/>
-            </a:pPr>
-            <a:r>
-              <a:rPr lang="en"/>
-              <a:t>Continuous</a:t>
-            </a:r>
-            <a:r>
-              <a:rPr lang="en"/>
-              <a:t> vs. Categorical Predictors?</a:t>
-            </a:r>
-            <a:endParaRPr/>
-          </a:p>
-          <a:p>
-            <a:pPr indent="0" lvl="0" marL="0" rtl="0">
-              <a:spcBef>
-                <a:spcPts val="1600"/>
-              </a:spcBef>
-              <a:spcAft>
-                <a:spcPts val="0"/>
-              </a:spcAft>
-              <a:buNone/>
-            </a:pPr>
-            <a:r>
-              <a:t/>
-            </a:r>
-            <a:endParaRPr/>
-          </a:p>
-          <a:p>
-            <a:pPr indent="0" lvl="0" marL="0" rtl="0">
-              <a:spcBef>
-                <a:spcPts val="1600"/>
-              </a:spcBef>
-              <a:spcAft>
-                <a:spcPts val="0"/>
-              </a:spcAft>
-              <a:buNone/>
-            </a:pPr>
-            <a:r>
-              <a:t/>
-            </a:r>
-            <a:endParaRPr/>
-          </a:p>
-          <a:p>
-            <a:pPr indent="0" lvl="0" marL="0">
-              <a:spcBef>
-                <a:spcPts val="1600"/>
-              </a:spcBef>
-              <a:spcAft>
-                <a:spcPts val="1600"/>
-              </a:spcAft>
-              <a:buNone/>
-            </a:pPr>
-            <a:r>
-              <a:rPr lang="en"/>
-              <a:t>Categorical - How Many Levels?</a:t>
+              <a:t>Data Exploration and Preprocessing</a:t>
             </a:r>
             <a:endParaRPr/>
           </a:p>
@@ -10701,7 +12703,7 @@
       </p:sp>
       <p:graphicFrame>
         <p:nvGraphicFramePr>
-          <p:cNvPr id="116" name="Google Shape;116;p19"/>
+          <p:cNvPr id="117" name="Google Shape;117;p19"/>
           <p:cNvGraphicFramePr/>
           <p:nvPr/>
         </p:nvGraphicFramePr>
@@ -10714,7 +12716,7 @@
             <a:tbl>
               <a:tblPr>
                 <a:noFill/>
-                <a:tableStyleId>{650597F9-C1F8-4995-BB2D-763DEB8F87DE}</a:tableStyleId>
+                <a:tableStyleId>{18799A4C-0623-461E-9C5D-3281D615D499}</a:tableStyleId>
               </a:tblPr>
               <a:tblGrid>
                 <a:gridCol w="1159675"/>
@@ -10728,7 +12730,7 @@
                     </a:bodyPr>
                     <a:lstStyle/>
                     <a:p>
-                      <a:pPr indent="0" lvl="0" marL="0">
+                      <a:pPr indent="0" lvl="0" marL="0" rtl="0">
                         <a:spcBef>
                           <a:spcPts val="0"/>
                         </a:spcBef>
@@ -10753,7 +12755,7 @@
                     </a:bodyPr>
                     <a:lstStyle/>
                     <a:p>
-                      <a:pPr indent="0" lvl="0" marL="0">
+                      <a:pPr indent="0" lvl="0" marL="0" rtl="0">
                         <a:spcBef>
                           <a:spcPts val="0"/>
                         </a:spcBef>
@@ -10780,7 +12782,7 @@
                     </a:bodyPr>
                     <a:lstStyle/>
                     <a:p>
-                      <a:pPr indent="0" lvl="0" marL="0">
+                      <a:pPr indent="0" lvl="0" marL="0" rtl="0">
                         <a:spcBef>
                           <a:spcPts val="0"/>
                         </a:spcBef>
@@ -10805,7 +12807,7 @@
                     </a:bodyPr>
                     <a:lstStyle/>
                     <a:p>
-                      <a:pPr indent="0" lvl="0" marL="0">
+                      <a:pPr indent="0" lvl="0" marL="0" rtl="0">
                         <a:spcBef>
                           <a:spcPts val="0"/>
                         </a:spcBef>
@@ -10830,7 +12832,7 @@
       </p:graphicFrame>
       <p:pic>
         <p:nvPicPr>
-          <p:cNvPr id="117" name="Google Shape;117;p19"/>
+          <p:cNvPr id="118" name="Google Shape;118;p19"/>
           <p:cNvPicPr preferRelativeResize="0"/>
           <p:nvPr/>
         </p:nvPicPr>
@@ -10844,8 +12846,8 @@
         </p:blipFill>
         <p:spPr>
           <a:xfrm>
-            <a:off x="6375963" y="1222225"/>
-            <a:ext cx="2200275" cy="3390900"/>
+            <a:off x="4346925" y="2085675"/>
+            <a:ext cx="4601649" cy="2839875"/>
           </a:xfrm>
           <a:prstGeom prst="rect">
             <a:avLst/>
@@ -10858,22 +12860,20 @@
       </p:pic>
       <p:sp>
         <p:nvSpPr>
-          <p:cNvPr id="118" name="Google Shape;118;p19"/>
+          <p:cNvPr id="119" name="Google Shape;119;p19"/>
           <p:cNvSpPr txBox="1"/>
-          <p:nvPr/>
+          <p:nvPr>
+            <p:ph idx="1" type="body"/>
+          </p:nvPr>
         </p:nvSpPr>
         <p:spPr>
           <a:xfrm>
-            <a:off x="6563650" y="905125"/>
-            <a:ext cx="1824900" cy="361200"/>
+            <a:off x="311700" y="1266325"/>
+            <a:ext cx="8520600" cy="3302700"/>
           </a:xfrm>
           <a:prstGeom prst="rect">
             <a:avLst/>
           </a:prstGeom>
-          <a:noFill/>
-          <a:ln>
-            <a:noFill/>
-          </a:ln>
         </p:spPr>
         <p:txBody>
           <a:bodyPr anchorCtr="0" anchor="t" bIns="91425" lIns="91425" spcFirstLastPara="1" rIns="91425" wrap="square" tIns="91425">
@@ -10881,94 +12881,163 @@
           </a:bodyPr>
           <a:lstStyle/>
           <a:p>
-            <a:pPr indent="0" lvl="0" marL="0" rtl="0" algn="ctr">
-              <a:spcBef>
-                <a:spcPts val="0"/>
-              </a:spcBef>
-              <a:spcAft>
-                <a:spcPts val="0"/>
-              </a:spcAft>
-              <a:buNone/>
-            </a:pPr>
-            <a:r>
-              <a:rPr b="1" lang="en">
-                <a:solidFill>
-                  <a:schemeClr val="accent1"/>
-                </a:solidFill>
-                <a:latin typeface="PT Sans Narrow"/>
-                <a:ea typeface="PT Sans Narrow"/>
-                <a:cs typeface="PT Sans Narrow"/>
-                <a:sym typeface="PT Sans Narrow"/>
-              </a:rPr>
-              <a:t>Berserk</a:t>
-            </a:r>
-            <a:endParaRPr b="1">
-              <a:solidFill>
-                <a:schemeClr val="accent1"/>
-              </a:solidFill>
-              <a:latin typeface="PT Sans Narrow"/>
-              <a:ea typeface="PT Sans Narrow"/>
-              <a:cs typeface="PT Sans Narrow"/>
-              <a:sym typeface="PT Sans Narrow"/>
-            </a:endParaRPr>
+            <a:pPr indent="0" lvl="0" marL="0" rtl="0">
+              <a:spcBef>
+                <a:spcPts val="0"/>
+              </a:spcBef>
+              <a:spcAft>
+                <a:spcPts val="0"/>
+              </a:spcAft>
+              <a:buNone/>
+            </a:pPr>
+            <a:r>
+              <a:rPr lang="en"/>
+              <a:t>Skewness?</a:t>
+            </a:r>
+            <a:endParaRPr/>
+          </a:p>
+          <a:p>
+            <a:pPr indent="0" lvl="0" marL="0" rtl="0">
+              <a:spcBef>
+                <a:spcPts val="1600"/>
+              </a:spcBef>
+              <a:spcAft>
+                <a:spcPts val="0"/>
+              </a:spcAft>
+              <a:buNone/>
+            </a:pPr>
+            <a:r>
+              <a:rPr lang="en"/>
+              <a:t>Near Zero Variance?</a:t>
+            </a:r>
+            <a:endParaRPr/>
+          </a:p>
+          <a:p>
+            <a:pPr indent="0" lvl="0" marL="0" rtl="0">
+              <a:spcBef>
+                <a:spcPts val="1600"/>
+              </a:spcBef>
+              <a:spcAft>
+                <a:spcPts val="0"/>
+              </a:spcAft>
+              <a:buNone/>
+            </a:pPr>
+            <a:r>
+              <a:rPr lang="en"/>
+              <a:t>Continuous vs. Categorical Predictors?</a:t>
+            </a:r>
+            <a:endParaRPr/>
+          </a:p>
+          <a:p>
+            <a:pPr indent="0" lvl="0" marL="0" rtl="0">
+              <a:spcBef>
+                <a:spcPts val="1600"/>
+              </a:spcBef>
+              <a:spcAft>
+                <a:spcPts val="0"/>
+              </a:spcAft>
+              <a:buNone/>
+            </a:pPr>
+            <a:r>
+              <a:t/>
+            </a:r>
+            <a:endParaRPr/>
+          </a:p>
+          <a:p>
+            <a:pPr indent="0" lvl="0" marL="0" rtl="0">
+              <a:spcBef>
+                <a:spcPts val="1600"/>
+              </a:spcBef>
+              <a:spcAft>
+                <a:spcPts val="0"/>
+              </a:spcAft>
+              <a:buNone/>
+            </a:pPr>
+            <a:r>
+              <a:t/>
+            </a:r>
+            <a:endParaRPr/>
+          </a:p>
+          <a:p>
+            <a:pPr indent="0" lvl="0" marL="0" rtl="0">
+              <a:spcBef>
+                <a:spcPts val="1600"/>
+              </a:spcBef>
+              <a:spcAft>
+                <a:spcPts val="0"/>
+              </a:spcAft>
+              <a:buNone/>
+            </a:pPr>
+            <a:r>
+              <a:rPr lang="en"/>
+              <a:t>Categorical - How Many Levels?</a:t>
+            </a:r>
+            <a:endParaRPr/>
+          </a:p>
+          <a:p>
+            <a:pPr indent="0" lvl="0" marL="0" rtl="0">
+              <a:spcBef>
+                <a:spcPts val="1600"/>
+              </a:spcBef>
+              <a:spcAft>
+                <a:spcPts val="1600"/>
+              </a:spcAft>
+              <a:buNone/>
+            </a:pPr>
+            <a:r>
+              <a:rPr lang="en"/>
+              <a:t>Correlation?</a:t>
+            </a:r>
+            <a:endParaRPr/>
           </a:p>
         </p:txBody>
       </p:sp>
       <p:sp>
         <p:nvSpPr>
-          <p:cNvPr id="119" name="Google Shape;119;p19"/>
-          <p:cNvSpPr txBox="1"/>
+          <p:cNvPr id="120" name="Google Shape;120;p19"/>
+          <p:cNvSpPr/>
           <p:nvPr/>
         </p:nvSpPr>
         <p:spPr>
-          <a:xfrm>
-            <a:off x="7093450" y="4613125"/>
-            <a:ext cx="765300" cy="361200"/>
+          <a:xfrm rot="236024">
+            <a:off x="6092402" y="2085611"/>
+            <a:ext cx="516016" cy="606834"/>
           </a:xfrm>
-          <a:prstGeom prst="rect">
-            <a:avLst/>
+          <a:prstGeom prst="diagStripe">
+            <a:avLst>
+              <a:gd fmla="val 41600" name="adj"/>
+            </a:avLst>
           </a:prstGeom>
           <a:noFill/>
-          <a:ln>
-            <a:noFill/>
+          <a:ln cap="flat" cmpd="sng" w="9525">
+            <a:solidFill>
+              <a:srgbClr val="0000FF"/>
+            </a:solidFill>
+            <a:prstDash val="solid"/>
+            <a:round/>
+            <a:headEnd len="sm" w="sm" type="none"/>
+            <a:tailEnd len="sm" w="sm" type="none"/>
           </a:ln>
         </p:spPr>
         <p:txBody>
-          <a:bodyPr anchorCtr="0" anchor="t" bIns="91425" lIns="91425" spcFirstLastPara="1" rIns="91425" wrap="square" tIns="91425">
+          <a:bodyPr anchorCtr="0" anchor="ctr" bIns="91425" lIns="91425" spcFirstLastPara="1" rIns="91425" wrap="square" tIns="91425">
             <a:noAutofit/>
           </a:bodyPr>
           <a:lstStyle/>
           <a:p>
-            <a:pPr indent="0" lvl="0" marL="0" rtl="0" algn="ctr">
-              <a:spcBef>
-                <a:spcPts val="0"/>
-              </a:spcBef>
-              <a:spcAft>
-                <a:spcPts val="0"/>
-              </a:spcAft>
-              <a:buNone/>
-            </a:pPr>
-            <a:r>
-              <a:rPr b="1" lang="en">
-                <a:solidFill>
-                  <a:schemeClr val="accent1"/>
-                </a:solidFill>
-                <a:latin typeface="PT Sans Narrow"/>
-                <a:ea typeface="PT Sans Narrow"/>
-                <a:cs typeface="PT Sans Narrow"/>
-                <a:sym typeface="PT Sans Narrow"/>
-              </a:rPr>
-              <a:t>Manga</a:t>
-            </a:r>
-            <a:endParaRPr b="1">
-              <a:solidFill>
-                <a:schemeClr val="accent1"/>
-              </a:solidFill>
-              <a:latin typeface="PT Sans Narrow"/>
-              <a:ea typeface="PT Sans Narrow"/>
-              <a:cs typeface="PT Sans Narrow"/>
-              <a:sym typeface="PT Sans Narrow"/>
-            </a:endParaRPr>
+            <a:pPr indent="0" lvl="0" marL="0">
+              <a:spcBef>
+                <a:spcPts val="0"/>
+              </a:spcBef>
+              <a:spcAft>
+                <a:spcPts val="0"/>
+              </a:spcAft>
+              <a:buNone/>
+            </a:pPr>
+            <a:r>
+              <a:t/>
+            </a:r>
+            <a:endParaRPr/>
           </a:p>
         </p:txBody>
       </p:sp>
@@ -10985,7 +13054,7 @@
   <p:cSld>
     <p:spTree>
       <p:nvGrpSpPr>
-        <p:cNvPr id="123" name="Shape 123"/>
+        <p:cNvPr id="124" name="Shape 124"/>
         <p:cNvGrpSpPr/>
         <p:nvPr/>
       </p:nvGrpSpPr>
@@ -10999,7 +13068,7 @@
       </p:grpSpPr>
       <p:sp>
         <p:nvSpPr>
-          <p:cNvPr id="124" name="Google Shape;124;p20"/>
+          <p:cNvPr id="125" name="Google Shape;125;p20"/>
           <p:cNvSpPr txBox="1"/>
           <p:nvPr>
             <p:ph type="title"/>
@@ -11039,7 +13108,7 @@
       </p:sp>
       <p:sp>
         <p:nvSpPr>
-          <p:cNvPr id="125" name="Google Shape;125;p20"/>
+          <p:cNvPr id="126" name="Google Shape;126;p20"/>
           <p:cNvSpPr txBox="1"/>
           <p:nvPr>
             <p:ph idx="1" type="body"/>
@@ -11047,7 +13116,7 @@
         </p:nvSpPr>
         <p:spPr>
           <a:xfrm>
-            <a:off x="311700" y="1266325"/>
+            <a:off x="0" y="1152425"/>
             <a:ext cx="8520600" cy="3302700"/>
           </a:xfrm>
           <a:prstGeom prst="rect">
@@ -11060,9 +13129,144 @@
           </a:bodyPr>
           <a:lstStyle/>
           <a:p>
-            <a:pPr indent="0" lvl="0" marL="0">
-              <a:spcBef>
-                <a:spcPts val="0"/>
+            <a:pPr indent="0" lvl="0" marL="0" rtl="0">
+              <a:spcBef>
+                <a:spcPts val="0"/>
+              </a:spcBef>
+              <a:spcAft>
+                <a:spcPts val="0"/>
+              </a:spcAft>
+              <a:buNone/>
+            </a:pPr>
+            <a:r>
+              <a:rPr lang="en"/>
+              <a:t>Several categorical predictors had many different categories. We binned them in ways that made sense and were easier to work with.</a:t>
+            </a:r>
+            <a:endParaRPr/>
+          </a:p>
+          <a:p>
+            <a:pPr indent="-342900" lvl="0" marL="457200" rtl="0">
+              <a:spcBef>
+                <a:spcPts val="1600"/>
+              </a:spcBef>
+              <a:spcAft>
+                <a:spcPts val="0"/>
+              </a:spcAft>
+              <a:buSzPts val="1800"/>
+              <a:buChar char="-"/>
+            </a:pPr>
+            <a:r>
+              <a:rPr lang="en"/>
+              <a:t>Dates - binned into years; before 2009, 2009 to 2012, &amp; 2012 to present.</a:t>
+            </a:r>
+            <a:endParaRPr/>
+          </a:p>
+          <a:p>
+            <a:pPr indent="-342900" lvl="0" marL="457200" rtl="0">
+              <a:spcBef>
+                <a:spcPts val="0"/>
+              </a:spcBef>
+              <a:spcAft>
+                <a:spcPts val="0"/>
+              </a:spcAft>
+              <a:buSzPts val="1800"/>
+              <a:buChar char="-"/>
+            </a:pPr>
+            <a:r>
+              <a:rPr lang="en"/>
+              <a:t>Gender - binned into Male, Female and non-binary.</a:t>
+            </a:r>
+            <a:endParaRPr/>
+          </a:p>
+          <a:p>
+            <a:pPr indent="-342900" lvl="0" marL="457200" rtl="0">
+              <a:spcBef>
+                <a:spcPts val="0"/>
+              </a:spcBef>
+              <a:spcAft>
+                <a:spcPts val="0"/>
+              </a:spcAft>
+              <a:buSzPts val="1800"/>
+              <a:buChar char="-"/>
+            </a:pPr>
+            <a:r>
+              <a:rPr lang="en"/>
+              <a:t>Duration - 1-20 mins, 21-40 mins, 41-60 mins, etc.</a:t>
+            </a:r>
+            <a:endParaRPr/>
+          </a:p>
+          <a:p>
+            <a:pPr indent="-342900" lvl="0" marL="457200" rtl="0">
+              <a:spcBef>
+                <a:spcPts val="0"/>
+              </a:spcBef>
+              <a:spcAft>
+                <a:spcPts val="0"/>
+              </a:spcAft>
+              <a:buSzPts val="1800"/>
+              <a:buChar char="-"/>
+            </a:pPr>
+            <a:r>
+              <a:rPr lang="en"/>
+              <a:t>Related - Adaptations, Relatives, Alternatives, other.</a:t>
+            </a:r>
+            <a:endParaRPr/>
+          </a:p>
+          <a:p>
+            <a:pPr indent="-342900" lvl="0" marL="457200" rtl="0">
+              <a:spcBef>
+                <a:spcPts val="0"/>
+              </a:spcBef>
+              <a:spcAft>
+                <a:spcPts val="0"/>
+              </a:spcAft>
+              <a:buSzPts val="1800"/>
+              <a:buChar char="-"/>
+            </a:pPr>
+            <a:r>
+              <a:rPr lang="en"/>
+              <a:t>Broadcast - binned into days of the week; Sunday, Monday, etc.</a:t>
+            </a:r>
+            <a:endParaRPr/>
+          </a:p>
+          <a:p>
+            <a:pPr indent="-342900" lvl="0" marL="457200" rtl="0">
+              <a:spcBef>
+                <a:spcPts val="0"/>
+              </a:spcBef>
+              <a:spcAft>
+                <a:spcPts val="0"/>
+              </a:spcAft>
+              <a:buSzPts val="1800"/>
+              <a:buChar char="-"/>
+            </a:pPr>
+            <a:r>
+              <a:rPr lang="en"/>
+              <a:t>Producer, Studio, Licensor - binned by count, High &amp; Low.</a:t>
+            </a:r>
+            <a:endParaRPr/>
+          </a:p>
+          <a:p>
+            <a:pPr indent="-342900" lvl="0" marL="457200" rtl="0">
+              <a:spcBef>
+                <a:spcPts val="0"/>
+              </a:spcBef>
+              <a:spcAft>
+                <a:spcPts val="0"/>
+              </a:spcAft>
+              <a:buSzPts val="1800"/>
+              <a:buChar char="-"/>
+            </a:pPr>
+            <a:r>
+              <a:rPr lang="en"/>
+              <a:t>My_score (response) - binned by score; 8-10 = High, 7 and below = Low.</a:t>
+            </a:r>
+            <a:endParaRPr/>
+          </a:p>
+          <a:p>
+            <a:pPr indent="0" lvl="0" marL="0" rtl="0">
+              <a:spcBef>
+                <a:spcPts val="1600"/>
               </a:spcBef>
               <a:spcAft>
                 <a:spcPts val="1600"/>
@@ -11089,7 +13293,7 @@
   <p:cSld>
     <p:spTree>
       <p:nvGrpSpPr>
-        <p:cNvPr id="129" name="Shape 129"/>
+        <p:cNvPr id="130" name="Shape 130"/>
         <p:cNvGrpSpPr/>
         <p:nvPr/>
       </p:nvGrpSpPr>
@@ -11103,7 +13307,7 @@
       </p:grpSpPr>
       <p:sp>
         <p:nvSpPr>
-          <p:cNvPr id="130" name="Google Shape;130;p21"/>
+          <p:cNvPr id="131" name="Google Shape;131;p21"/>
           <p:cNvSpPr txBox="1"/>
           <p:nvPr>
             <p:ph type="title"/>
@@ -11143,7 +13347,7 @@
       </p:sp>
       <p:sp>
         <p:nvSpPr>
-          <p:cNvPr id="131" name="Google Shape;131;p21"/>
+          <p:cNvPr id="132" name="Google Shape;132;p21"/>
           <p:cNvSpPr txBox="1"/>
           <p:nvPr>
             <p:ph idx="1" type="body"/>
@@ -11230,7 +13434,7 @@
             <a:endParaRPr/>
           </a:p>
           <a:p>
-            <a:pPr indent="0" lvl="0" marL="0">
+            <a:pPr indent="0" lvl="0" marL="0" rtl="0">
               <a:spcBef>
                 <a:spcPts val="1600"/>
               </a:spcBef>
@@ -11248,7 +13452,7 @@
       </p:sp>
       <p:pic>
         <p:nvPicPr>
-          <p:cNvPr id="132" name="Google Shape;132;p21"/>
+          <p:cNvPr id="133" name="Google Shape;133;p21"/>
           <p:cNvPicPr preferRelativeResize="0"/>
           <p:nvPr/>
         </p:nvPicPr>
@@ -11276,7 +13480,7 @@
       </p:pic>
       <p:sp>
         <p:nvSpPr>
-          <p:cNvPr id="133" name="Google Shape;133;p21"/>
+          <p:cNvPr id="134" name="Google Shape;134;p21"/>
           <p:cNvSpPr txBox="1"/>
           <p:nvPr/>
         </p:nvSpPr>
@@ -11334,7 +13538,7 @@
       </p:sp>
       <p:sp>
         <p:nvSpPr>
-          <p:cNvPr id="134" name="Google Shape;134;p21"/>
+          <p:cNvPr id="135" name="Google Shape;135;p21"/>
           <p:cNvSpPr txBox="1"/>
           <p:nvPr/>
         </p:nvSpPr>
@@ -11392,7 +13596,7 @@
       </p:sp>
       <p:graphicFrame>
         <p:nvGraphicFramePr>
-          <p:cNvPr id="135" name="Google Shape;135;p21"/>
+          <p:cNvPr id="136" name="Google Shape;136;p21"/>
           <p:cNvGraphicFramePr/>
           <p:nvPr/>
         </p:nvGraphicFramePr>
@@ -11405,7 +13609,7 @@
             <a:tbl>
               <a:tblPr>
                 <a:noFill/>
-                <a:tableStyleId>{650597F9-C1F8-4995-BB2D-763DEB8F87DE}</a:tableStyleId>
+                <a:tableStyleId>{18799A4C-0623-461E-9C5D-3281D615D499}</a:tableStyleId>
               </a:tblPr>
               <a:tblGrid>
                 <a:gridCol w="1667350"/>
@@ -11700,7 +13904,7 @@
                     </a:bodyPr>
                     <a:lstStyle/>
                     <a:p>
-                      <a:pPr indent="0" lvl="0" marL="0">
+                      <a:pPr indent="0" lvl="0" marL="0" rtl="0">
                         <a:spcBef>
                           <a:spcPts val="0"/>
                         </a:spcBef>
@@ -11801,7 +14005,7 @@
                     </a:bodyPr>
                     <a:lstStyle/>
                     <a:p>
-                      <a:pPr indent="0" lvl="0" marL="0">
+                      <a:pPr indent="0" lvl="0" marL="0" rtl="0">
                         <a:spcBef>
                           <a:spcPts val="0"/>
                         </a:spcBef>
@@ -11838,15 +14042,7 @@
                       </a:pPr>
                       <a:r>
                         <a:rPr lang="en" sz="1200"/>
-                        <a:t>Number of </a:t>
-                      </a:r>
-                      <a:r>
-                        <a:rPr lang="en" sz="1200"/>
-                        <a:t>member</a:t>
-                      </a:r>
-                      <a:r>
-                        <a:rPr lang="en" sz="1200"/>
-                        <a:t> scored the anime</a:t>
+                        <a:t>Number of member scored the anime</a:t>
                       </a:r>
                       <a:endParaRPr sz="1200"/>
                     </a:p>
@@ -11910,7 +14106,7 @@
                     </a:bodyPr>
                     <a:lstStyle/>
                     <a:p>
-                      <a:pPr indent="0" lvl="0" marL="0">
+                      <a:pPr indent="0" lvl="0" marL="0" rtl="0">
                         <a:spcBef>
                           <a:spcPts val="0"/>
                         </a:spcBef>
@@ -11941,6 +14137,285 @@
 </file>
 
 <file path=ppt/theme/theme1.xml><?xml version="1.0" encoding="utf-8"?>
+<a:theme xmlns:a="http://schemas.openxmlformats.org/drawingml/2006/main" xmlns:r="http://schemas.openxmlformats.org/officeDocument/2006/relationships" name="Tropic">
+  <a:themeElements>
+    <a:clrScheme name="Tropic">
+      <a:dk1>
+        <a:srgbClr val="A1E8D9"/>
+      </a:dk1>
+      <a:lt1>
+        <a:srgbClr val="FFFFFF"/>
+      </a:lt1>
+      <a:dk2>
+        <a:srgbClr val="695D46"/>
+      </a:dk2>
+      <a:lt2>
+        <a:srgbClr val="B3A77D"/>
+      </a:lt2>
+      <a:accent1>
+        <a:srgbClr val="EF6C00"/>
+      </a:accent1>
+      <a:accent2>
+        <a:srgbClr val="009668"/>
+      </a:accent2>
+      <a:accent3>
+        <a:srgbClr val="4DB6AC"/>
+      </a:accent3>
+      <a:accent4>
+        <a:srgbClr val="FF9800"/>
+      </a:accent4>
+      <a:accent5>
+        <a:srgbClr val="CE93D8"/>
+      </a:accent5>
+      <a:accent6>
+        <a:srgbClr val="EEFF41"/>
+      </a:accent6>
+      <a:hlink>
+        <a:srgbClr val="CE93D8"/>
+      </a:hlink>
+      <a:folHlink>
+        <a:srgbClr val="CE93D8"/>
+      </a:folHlink>
+    </a:clrScheme>
+    <a:fontScheme name="Office">
+      <a:majorFont>
+        <a:latin typeface="Arial"/>
+        <a:ea typeface=""/>
+        <a:cs typeface=""/>
+        <a:font script="Jpan" typeface="ＭＳ Ｐゴシック"/>
+        <a:font script="Hang" typeface="맑은 고딕"/>
+        <a:font script="Hans" typeface="宋体"/>
+        <a:font script="Hant" typeface="新細明體"/>
+        <a:font script="Arab" typeface="Times New Roman"/>
+        <a:font script="Hebr" typeface="Times New Roman"/>
+        <a:font script="Thai" typeface="Angsana New"/>
+        <a:font script="Ethi" typeface="Nyala"/>
+        <a:font script="Beng" typeface="Vrinda"/>
+        <a:font script="Gujr" typeface="Shruti"/>
+        <a:font script="Khmr" typeface="MoolBoran"/>
+        <a:font script="Knda" typeface="Tunga"/>
+        <a:font script="Guru" typeface="Raavi"/>
+        <a:font script="Cans" typeface="Euphemia"/>
+        <a:font script="Cher" typeface="Plantagenet Cherokee"/>
+        <a:font script="Yiii" typeface="Microsoft Yi Baiti"/>
+        <a:font script="Tibt" typeface="Microsoft Himalaya"/>
+        <a:font script="Thaa" typeface="MV Boli"/>
+        <a:font script="Deva" typeface="Mangal"/>
+        <a:font script="Telu" typeface="Gautami"/>
+        <a:font script="Taml" typeface="Latha"/>
+        <a:font script="Syrc" typeface="Estrangelo Edessa"/>
+        <a:font script="Orya" typeface="Kalinga"/>
+        <a:font script="Mlym" typeface="Kartika"/>
+        <a:font script="Laoo" typeface="DokChampa"/>
+        <a:font script="Sinh" typeface="Iskoola Pota"/>
+        <a:font script="Mong" typeface="Mongolian Baiti"/>
+        <a:font script="Viet" typeface="Times New Roman"/>
+        <a:font script="Uigh" typeface="Microsoft Uighur"/>
+        <a:font script="Geor" typeface="Sylfaen"/>
+      </a:majorFont>
+      <a:minorFont>
+        <a:latin typeface="Arial"/>
+        <a:ea typeface=""/>
+        <a:cs typeface=""/>
+        <a:font script="Jpan" typeface="ＭＳ Ｐゴシック"/>
+        <a:font script="Hang" typeface="맑은 고딕"/>
+        <a:font script="Hans" typeface="宋体"/>
+        <a:font script="Hant" typeface="新細明體"/>
+        <a:font script="Arab" typeface="Arial"/>
+        <a:font script="Hebr" typeface="Arial"/>
+        <a:font script="Thai" typeface="Cordia New"/>
+        <a:font script="Ethi" typeface="Nyala"/>
+        <a:font script="Beng" typeface="Vrinda"/>
+        <a:font script="Gujr" typeface="Shruti"/>
+        <a:font script="Khmr" typeface="DaunPenh"/>
+        <a:font script="Knda" typeface="Tunga"/>
+        <a:font script="Guru" typeface="Raavi"/>
+        <a:font script="Cans" typeface="Euphemia"/>
+        <a:font script="Cher" typeface="Plantagenet Cherokee"/>
+        <a:font script="Yiii" typeface="Microsoft Yi Baiti"/>
+        <a:font script="Tibt" typeface="Microsoft Himalaya"/>
+        <a:font script="Thaa" typeface="MV Boli"/>
+        <a:font script="Deva" typeface="Mangal"/>
+        <a:font script="Telu" typeface="Gautami"/>
+        <a:font script="Taml" typeface="Latha"/>
+        <a:font script="Syrc" typeface="Estrangelo Edessa"/>
+        <a:font script="Orya" typeface="Kalinga"/>
+        <a:font script="Mlym" typeface="Kartika"/>
+        <a:font script="Laoo" typeface="DokChampa"/>
+        <a:font script="Sinh" typeface="Iskoola Pota"/>
+        <a:font script="Mong" typeface="Mongolian Baiti"/>
+        <a:font script="Viet" typeface="Arial"/>
+        <a:font script="Uigh" typeface="Microsoft Uighur"/>
+        <a:font script="Geor" typeface="Sylfaen"/>
+      </a:minorFont>
+    </a:fontScheme>
+    <a:fmtScheme name="Office">
+      <a:fillStyleLst>
+        <a:solidFill>
+          <a:schemeClr val="phClr"/>
+        </a:solidFill>
+        <a:gradFill rotWithShape="1">
+          <a:gsLst>
+            <a:gs pos="0">
+              <a:schemeClr val="phClr">
+                <a:tint val="50000"/>
+                <a:satMod val="300000"/>
+              </a:schemeClr>
+            </a:gs>
+            <a:gs pos="35000">
+              <a:schemeClr val="phClr">
+                <a:tint val="37000"/>
+                <a:satMod val="300000"/>
+              </a:schemeClr>
+            </a:gs>
+            <a:gs pos="100000">
+              <a:schemeClr val="phClr">
+                <a:tint val="15000"/>
+                <a:satMod val="350000"/>
+              </a:schemeClr>
+            </a:gs>
+          </a:gsLst>
+          <a:lin ang="16200000" scaled="1"/>
+        </a:gradFill>
+        <a:gradFill rotWithShape="1">
+          <a:gsLst>
+            <a:gs pos="0">
+              <a:schemeClr val="phClr">
+                <a:tint val="100000"/>
+                <a:shade val="100000"/>
+                <a:satMod val="130000"/>
+              </a:schemeClr>
+            </a:gs>
+            <a:gs pos="100000">
+              <a:schemeClr val="phClr">
+                <a:tint val="50000"/>
+                <a:shade val="100000"/>
+                <a:satMod val="350000"/>
+              </a:schemeClr>
+            </a:gs>
+          </a:gsLst>
+          <a:lin ang="16200000" scaled="0"/>
+        </a:gradFill>
+      </a:fillStyleLst>
+      <a:lnStyleLst>
+        <a:ln w="9525" cap="flat" cmpd="sng" algn="ctr">
+          <a:solidFill>
+            <a:schemeClr val="phClr">
+              <a:shade val="95000"/>
+              <a:satMod val="105000"/>
+            </a:schemeClr>
+          </a:solidFill>
+          <a:prstDash val="solid"/>
+        </a:ln>
+        <a:ln w="25400" cap="flat" cmpd="sng" algn="ctr">
+          <a:solidFill>
+            <a:schemeClr val="phClr"/>
+          </a:solidFill>
+          <a:prstDash val="solid"/>
+        </a:ln>
+        <a:ln w="38100" cap="flat" cmpd="sng" algn="ctr">
+          <a:solidFill>
+            <a:schemeClr val="phClr"/>
+          </a:solidFill>
+          <a:prstDash val="solid"/>
+        </a:ln>
+      </a:lnStyleLst>
+      <a:effectStyleLst>
+        <a:effectStyle>
+          <a:effectLst>
+            <a:outerShdw blurRad="40000" dist="20000" dir="5400000" rotWithShape="0">
+              <a:srgbClr val="000000">
+                <a:alpha val="38000"/>
+              </a:srgbClr>
+            </a:outerShdw>
+          </a:effectLst>
+        </a:effectStyle>
+        <a:effectStyle>
+          <a:effectLst>
+            <a:outerShdw blurRad="40000" dist="23000" dir="5400000" rotWithShape="0">
+              <a:srgbClr val="000000">
+                <a:alpha val="35000"/>
+              </a:srgbClr>
+            </a:outerShdw>
+          </a:effectLst>
+        </a:effectStyle>
+        <a:effectStyle>
+          <a:effectLst>
+            <a:outerShdw blurRad="40000" dist="23000" dir="5400000" rotWithShape="0">
+              <a:srgbClr val="000000">
+                <a:alpha val="35000"/>
+              </a:srgbClr>
+            </a:outerShdw>
+          </a:effectLst>
+          <a:scene3d>
+            <a:camera prst="orthographicFront">
+              <a:rot lat="0" lon="0" rev="0"/>
+            </a:camera>
+            <a:lightRig rig="threePt" dir="t">
+              <a:rot lat="0" lon="0" rev="1200000"/>
+            </a:lightRig>
+          </a:scene3d>
+          <a:sp3d>
+            <a:bevelT w="63500" h="25400"/>
+          </a:sp3d>
+        </a:effectStyle>
+      </a:effectStyleLst>
+      <a:bgFillStyleLst>
+        <a:solidFill>
+          <a:schemeClr val="phClr"/>
+        </a:solidFill>
+        <a:gradFill rotWithShape="1">
+          <a:gsLst>
+            <a:gs pos="0">
+              <a:schemeClr val="phClr">
+                <a:tint val="40000"/>
+                <a:satMod val="350000"/>
+              </a:schemeClr>
+            </a:gs>
+            <a:gs pos="40000">
+              <a:schemeClr val="phClr">
+                <a:tint val="45000"/>
+                <a:shade val="99000"/>
+                <a:satMod val="350000"/>
+              </a:schemeClr>
+            </a:gs>
+            <a:gs pos="100000">
+              <a:schemeClr val="phClr">
+                <a:shade val="20000"/>
+                <a:satMod val="255000"/>
+              </a:schemeClr>
+            </a:gs>
+          </a:gsLst>
+          <a:path path="circle">
+            <a:fillToRect l="50000" t="-80000" r="50000" b="180000"/>
+          </a:path>
+        </a:gradFill>
+        <a:gradFill rotWithShape="1">
+          <a:gsLst>
+            <a:gs pos="0">
+              <a:schemeClr val="phClr">
+                <a:tint val="80000"/>
+                <a:satMod val="300000"/>
+              </a:schemeClr>
+            </a:gs>
+            <a:gs pos="100000">
+              <a:schemeClr val="phClr">
+                <a:shade val="30000"/>
+                <a:satMod val="200000"/>
+              </a:schemeClr>
+            </a:gs>
+          </a:gsLst>
+          <a:path path="circle">
+            <a:fillToRect l="50000" t="50000" r="50000" b="50000"/>
+          </a:path>
+        </a:gradFill>
+      </a:bgFillStyleLst>
+    </a:fmtScheme>
+  </a:themeElements>
+</a:theme>
+</file>
+
+<file path=ppt/theme/theme2.xml><?xml version="1.0" encoding="utf-8"?>
 <a:theme xmlns:a="http://schemas.openxmlformats.org/drawingml/2006/main" xmlns:r="http://schemas.openxmlformats.org/officeDocument/2006/relationships">
   <a:themeElements>
     <a:clrScheme name="Default">
@@ -12217,283 +14692,4 @@
     </a:fmtScheme>
   </a:themeElements>
 </a:theme>
-</file>
-
-<file path=ppt/theme/theme2.xml><?xml version="1.0" encoding="utf-8"?>
-<a:theme xmlns:a="http://schemas.openxmlformats.org/drawingml/2006/main" xmlns:r="http://schemas.openxmlformats.org/officeDocument/2006/relationships" name="Tropic">
-  <a:themeElements>
-    <a:clrScheme name="Tropic">
-      <a:dk1>
-        <a:srgbClr val="A1E8D9"/>
-      </a:dk1>
-      <a:lt1>
-        <a:srgbClr val="FFFFFF"/>
-      </a:lt1>
-      <a:dk2>
-        <a:srgbClr val="695D46"/>
-      </a:dk2>
-      <a:lt2>
-        <a:srgbClr val="B3A77D"/>
-      </a:lt2>
-      <a:accent1>
-        <a:srgbClr val="EF6C00"/>
-      </a:accent1>
-      <a:accent2>
-        <a:srgbClr val="009668"/>
-      </a:accent2>
-      <a:accent3>
-        <a:srgbClr val="4DB6AC"/>
-      </a:accent3>
-      <a:accent4>
-        <a:srgbClr val="FF9800"/>
-      </a:accent4>
-      <a:accent5>
-        <a:srgbClr val="CE93D8"/>
-      </a:accent5>
-      <a:accent6>
-        <a:srgbClr val="EEFF41"/>
-      </a:accent6>
-      <a:hlink>
-        <a:srgbClr val="CE93D8"/>
-      </a:hlink>
-      <a:folHlink>
-        <a:srgbClr val="CE93D8"/>
-      </a:folHlink>
-    </a:clrScheme>
-    <a:fontScheme name="Office">
-      <a:majorFont>
-        <a:latin typeface="Arial"/>
-        <a:ea typeface=""/>
-        <a:cs typeface=""/>
-        <a:font script="Jpan" typeface="ＭＳ Ｐゴシック"/>
-        <a:font script="Hang" typeface="맑은 고딕"/>
-        <a:font script="Hans" typeface="宋体"/>
-        <a:font script="Hant" typeface="新細明體"/>
-        <a:font script="Arab" typeface="Times New Roman"/>
-        <a:font script="Hebr" typeface="Times New Roman"/>
-        <a:font script="Thai" typeface="Angsana New"/>
-        <a:font script="Ethi" typeface="Nyala"/>
-        <a:font script="Beng" typeface="Vrinda"/>
-        <a:font script="Gujr" typeface="Shruti"/>
-        <a:font script="Khmr" typeface="MoolBoran"/>
-        <a:font script="Knda" typeface="Tunga"/>
-        <a:font script="Guru" typeface="Raavi"/>
-        <a:font script="Cans" typeface="Euphemia"/>
-        <a:font script="Cher" typeface="Plantagenet Cherokee"/>
-        <a:font script="Yiii" typeface="Microsoft Yi Baiti"/>
-        <a:font script="Tibt" typeface="Microsoft Himalaya"/>
-        <a:font script="Thaa" typeface="MV Boli"/>
-        <a:font script="Deva" typeface="Mangal"/>
-        <a:font script="Telu" typeface="Gautami"/>
-        <a:font script="Taml" typeface="Latha"/>
-        <a:font script="Syrc" typeface="Estrangelo Edessa"/>
-        <a:font script="Orya" typeface="Kalinga"/>
-        <a:font script="Mlym" typeface="Kartika"/>
-        <a:font script="Laoo" typeface="DokChampa"/>
-        <a:font script="Sinh" typeface="Iskoola Pota"/>
-        <a:font script="Mong" typeface="Mongolian Baiti"/>
-        <a:font script="Viet" typeface="Times New Roman"/>
-        <a:font script="Uigh" typeface="Microsoft Uighur"/>
-        <a:font script="Geor" typeface="Sylfaen"/>
-      </a:majorFont>
-      <a:minorFont>
-        <a:latin typeface="Arial"/>
-        <a:ea typeface=""/>
-        <a:cs typeface=""/>
-        <a:font script="Jpan" typeface="ＭＳ Ｐゴシック"/>
-        <a:font script="Hang" typeface="맑은 고딕"/>
-        <a:font script="Hans" typeface="宋体"/>
-        <a:font script="Hant" typeface="新細明體"/>
-        <a:font script="Arab" typeface="Arial"/>
-        <a:font script="Hebr" typeface="Arial"/>
-        <a:font script="Thai" typeface="Cordia New"/>
-        <a:font script="Ethi" typeface="Nyala"/>
-        <a:font script="Beng" typeface="Vrinda"/>
-        <a:font script="Gujr" typeface="Shruti"/>
-        <a:font script="Khmr" typeface="DaunPenh"/>
-        <a:font script="Knda" typeface="Tunga"/>
-        <a:font script="Guru" typeface="Raavi"/>
-        <a:font script="Cans" typeface="Euphemia"/>
-        <a:font script="Cher" typeface="Plantagenet Cherokee"/>
-        <a:font script="Yiii" typeface="Microsoft Yi Baiti"/>
-        <a:font script="Tibt" typeface="Microsoft Himalaya"/>
-        <a:font script="Thaa" typeface="MV Boli"/>
-        <a:font script="Deva" typeface="Mangal"/>
-        <a:font script="Telu" typeface="Gautami"/>
-        <a:font script="Taml" typeface="Latha"/>
-        <a:font script="Syrc" typeface="Estrangelo Edessa"/>
-        <a:font script="Orya" typeface="Kalinga"/>
-        <a:font script="Mlym" typeface="Kartika"/>
-        <a:font script="Laoo" typeface="DokChampa"/>
-        <a:font script="Sinh" typeface="Iskoola Pota"/>
-        <a:font script="Mong" typeface="Mongolian Baiti"/>
-        <a:font script="Viet" typeface="Arial"/>
-        <a:font script="Uigh" typeface="Microsoft Uighur"/>
-        <a:font script="Geor" typeface="Sylfaen"/>
-      </a:minorFont>
-    </a:fontScheme>
-    <a:fmtScheme name="Office">
-      <a:fillStyleLst>
-        <a:solidFill>
-          <a:schemeClr val="phClr"/>
-        </a:solidFill>
-        <a:gradFill rotWithShape="1">
-          <a:gsLst>
-            <a:gs pos="0">
-              <a:schemeClr val="phClr">
-                <a:tint val="50000"/>
-                <a:satMod val="300000"/>
-              </a:schemeClr>
-            </a:gs>
-            <a:gs pos="35000">
-              <a:schemeClr val="phClr">
-                <a:tint val="37000"/>
-                <a:satMod val="300000"/>
-              </a:schemeClr>
-            </a:gs>
-            <a:gs pos="100000">
-              <a:schemeClr val="phClr">
-                <a:tint val="15000"/>
-                <a:satMod val="350000"/>
-              </a:schemeClr>
-            </a:gs>
-          </a:gsLst>
-          <a:lin ang="16200000" scaled="1"/>
-        </a:gradFill>
-        <a:gradFill rotWithShape="1">
-          <a:gsLst>
-            <a:gs pos="0">
-              <a:schemeClr val="phClr">
-                <a:tint val="100000"/>
-                <a:shade val="100000"/>
-                <a:satMod val="130000"/>
-              </a:schemeClr>
-            </a:gs>
-            <a:gs pos="100000">
-              <a:schemeClr val="phClr">
-                <a:tint val="50000"/>
-                <a:shade val="100000"/>
-                <a:satMod val="350000"/>
-              </a:schemeClr>
-            </a:gs>
-          </a:gsLst>
-          <a:lin ang="16200000" scaled="0"/>
-        </a:gradFill>
-      </a:fillStyleLst>
-      <a:lnStyleLst>
-        <a:ln w="9525" cap="flat" cmpd="sng" algn="ctr">
-          <a:solidFill>
-            <a:schemeClr val="phClr">
-              <a:shade val="95000"/>
-              <a:satMod val="105000"/>
-            </a:schemeClr>
-          </a:solidFill>
-          <a:prstDash val="solid"/>
-        </a:ln>
-        <a:ln w="25400" cap="flat" cmpd="sng" algn="ctr">
-          <a:solidFill>
-            <a:schemeClr val="phClr"/>
-          </a:solidFill>
-          <a:prstDash val="solid"/>
-        </a:ln>
-        <a:ln w="38100" cap="flat" cmpd="sng" algn="ctr">
-          <a:solidFill>
-            <a:schemeClr val="phClr"/>
-          </a:solidFill>
-          <a:prstDash val="solid"/>
-        </a:ln>
-      </a:lnStyleLst>
-      <a:effectStyleLst>
-        <a:effectStyle>
-          <a:effectLst>
-            <a:outerShdw blurRad="40000" dist="20000" dir="5400000" rotWithShape="0">
-              <a:srgbClr val="000000">
-                <a:alpha val="38000"/>
-              </a:srgbClr>
-            </a:outerShdw>
-          </a:effectLst>
-        </a:effectStyle>
-        <a:effectStyle>
-          <a:effectLst>
-            <a:outerShdw blurRad="40000" dist="23000" dir="5400000" rotWithShape="0">
-              <a:srgbClr val="000000">
-                <a:alpha val="35000"/>
-              </a:srgbClr>
-            </a:outerShdw>
-          </a:effectLst>
-        </a:effectStyle>
-        <a:effectStyle>
-          <a:effectLst>
-            <a:outerShdw blurRad="40000" dist="23000" dir="5400000" rotWithShape="0">
-              <a:srgbClr val="000000">
-                <a:alpha val="35000"/>
-              </a:srgbClr>
-            </a:outerShdw>
-          </a:effectLst>
-          <a:scene3d>
-            <a:camera prst="orthographicFront">
-              <a:rot lat="0" lon="0" rev="0"/>
-            </a:camera>
-            <a:lightRig rig="threePt" dir="t">
-              <a:rot lat="0" lon="0" rev="1200000"/>
-            </a:lightRig>
-          </a:scene3d>
-          <a:sp3d>
-            <a:bevelT w="63500" h="25400"/>
-          </a:sp3d>
-        </a:effectStyle>
-      </a:effectStyleLst>
-      <a:bgFillStyleLst>
-        <a:solidFill>
-          <a:schemeClr val="phClr"/>
-        </a:solidFill>
-        <a:gradFill rotWithShape="1">
-          <a:gsLst>
-            <a:gs pos="0">
-              <a:schemeClr val="phClr">
-                <a:tint val="40000"/>
-                <a:satMod val="350000"/>
-              </a:schemeClr>
-            </a:gs>
-            <a:gs pos="40000">
-              <a:schemeClr val="phClr">
-                <a:tint val="45000"/>
-                <a:shade val="99000"/>
-                <a:satMod val="350000"/>
-              </a:schemeClr>
-            </a:gs>
-            <a:gs pos="100000">
-              <a:schemeClr val="phClr">
-                <a:shade val="20000"/>
-                <a:satMod val="255000"/>
-              </a:schemeClr>
-            </a:gs>
-          </a:gsLst>
-          <a:path path="circle">
-            <a:fillToRect l="50000" t="-80000" r="50000" b="180000"/>
-          </a:path>
-        </a:gradFill>
-        <a:gradFill rotWithShape="1">
-          <a:gsLst>
-            <a:gs pos="0">
-              <a:schemeClr val="phClr">
-                <a:tint val="80000"/>
-                <a:satMod val="300000"/>
-              </a:schemeClr>
-            </a:gs>
-            <a:gs pos="100000">
-              <a:schemeClr val="phClr">
-                <a:shade val="30000"/>
-                <a:satMod val="200000"/>
-              </a:schemeClr>
-            </a:gs>
-          </a:gsLst>
-          <a:path path="circle">
-            <a:fillToRect l="50000" t="50000" r="50000" b="50000"/>
-          </a:path>
-        </a:gradFill>
-      </a:bgFillStyleLst>
-    </a:fmtScheme>
-  </a:themeElements>
-</a:theme>
 </file>